--- a/FW/Phuc/WEEK1_yarn & npm/review yarn & npm.pptx
+++ b/FW/Phuc/WEEK1_yarn & npm/review yarn & npm.pptx
@@ -225,7 +225,7 @@
           <a:p>
             <a:fld id="{BE921E71-55FB-4F70-BA64-7E87629B9540}" type="datetimeFigureOut">
               <a:rPr lang="en-US" smtClean="0"/>
-              <a:t>7/17/2020</a:t>
+              <a:t>8/23/2020</a:t>
             </a:fld>
             <a:endParaRPr lang="en-US"/>
           </a:p>
@@ -289,38 +289,37 @@
           <a:p>
             <a:pPr lvl="0"/>
             <a:r>
-              <a:rPr lang="en-US" smtClean="0"/>
+              <a:rPr lang="en-US"/>
               <a:t>Edit Master text styles</a:t>
             </a:r>
           </a:p>
           <a:p>
             <a:pPr lvl="1"/>
             <a:r>
-              <a:rPr lang="en-US" smtClean="0"/>
+              <a:rPr lang="en-US"/>
               <a:t>Second level</a:t>
             </a:r>
           </a:p>
           <a:p>
             <a:pPr lvl="2"/>
             <a:r>
-              <a:rPr lang="en-US" smtClean="0"/>
+              <a:rPr lang="en-US"/>
               <a:t>Third level</a:t>
             </a:r>
           </a:p>
           <a:p>
             <a:pPr lvl="3"/>
             <a:r>
-              <a:rPr lang="en-US" smtClean="0"/>
+              <a:rPr lang="en-US"/>
               <a:t>Fourth level</a:t>
             </a:r>
           </a:p>
           <a:p>
             <a:pPr lvl="4"/>
             <a:r>
-              <a:rPr lang="en-US" smtClean="0"/>
+              <a:rPr lang="en-US"/>
               <a:t>Fifth level</a:t>
             </a:r>
-            <a:endParaRPr lang="en-US"/>
           </a:p>
         </p:txBody>
       </p:sp>
@@ -564,13 +563,6 @@
   <p:clrMapOvr>
     <a:masterClrMapping/>
   </p:clrMapOvr>
-  <p:timing>
-    <p:tnLst>
-      <p:par>
-        <p:cTn id="1" dur="indefinite" restart="never" nodeType="tmRoot"/>
-      </p:par>
-    </p:tnLst>
-  </p:timing>
 </p:sldLayout>
 </file>
 
@@ -679,17 +671,16 @@
           </a:lstStyle>
           <a:p>
             <a:r>
-              <a:rPr lang="en-US" dirty="0" smtClean="0"/>
+              <a:rPr lang="en-US" dirty="0"/>
               <a:t>Headline here</a:t>
             </a:r>
             <a:br>
-              <a:rPr lang="en-US" dirty="0" smtClean="0"/>
+              <a:rPr lang="en-US" dirty="0"/>
             </a:br>
             <a:r>
-              <a:rPr lang="en-US" dirty="0" smtClean="0"/>
+              <a:rPr lang="en-US" dirty="0"/>
               <a:t>Content</a:t>
             </a:r>
-            <a:endParaRPr lang="en-US" dirty="0"/>
           </a:p>
         </p:txBody>
       </p:sp>
@@ -722,7 +713,7 @@
           </a:lstStyle>
           <a:p>
             <a:r>
-              <a:rPr lang="en-US" smtClean="0"/>
+              <a:rPr lang="en-US"/>
               <a:t>www.indruino.com</a:t>
             </a:r>
             <a:endParaRPr lang="en-US" dirty="0"/>
@@ -793,16 +784,15 @@
           </a:lstStyle>
           <a:p>
             <a:r>
-              <a:rPr lang="en-US" dirty="0" smtClean="0"/>
+              <a:rPr lang="en-US" dirty="0"/>
               <a:t>Subhead here</a:t>
             </a:r>
           </a:p>
           <a:p>
             <a:r>
-              <a:rPr lang="en-US" dirty="0" smtClean="0"/>
+              <a:rPr lang="en-US" dirty="0"/>
               <a:t>Content</a:t>
             </a:r>
-            <a:endParaRPr lang="en-US" dirty="0"/>
           </a:p>
         </p:txBody>
       </p:sp>
@@ -1023,7 +1013,7 @@
           </a:lstStyle>
           <a:p>
             <a:r>
-              <a:rPr lang="en-US" dirty="0" err="1" smtClean="0">
+              <a:rPr lang="en-US" dirty="0" err="1">
                 <a:solidFill>
                   <a:schemeClr val="bg1"/>
                 </a:solidFill>
@@ -1031,7 +1021,7 @@
               <a:t>Diễn</a:t>
             </a:r>
             <a:r>
-              <a:rPr lang="en-US" dirty="0" smtClean="0">
+              <a:rPr lang="en-US" dirty="0">
                 <a:solidFill>
                   <a:schemeClr val="bg1"/>
                 </a:solidFill>
@@ -1039,7 +1029,7 @@
               <a:t> </a:t>
             </a:r>
             <a:r>
-              <a:rPr lang="en-US" dirty="0" err="1" smtClean="0">
+              <a:rPr lang="en-US" dirty="0" err="1">
                 <a:solidFill>
                   <a:schemeClr val="bg1"/>
                 </a:solidFill>
@@ -1047,7 +1037,7 @@
               <a:t>giả</a:t>
             </a:r>
             <a:r>
-              <a:rPr lang="en-US" dirty="0" smtClean="0">
+              <a:rPr lang="en-US" dirty="0">
                 <a:solidFill>
                   <a:schemeClr val="bg1"/>
                 </a:solidFill>
@@ -1055,14 +1045,14 @@
               <a:t>: </a:t>
             </a:r>
             <a:r>
-              <a:rPr lang="en-US" dirty="0" err="1" smtClean="0">
+              <a:rPr lang="en-US" dirty="0" err="1">
                 <a:solidFill>
                   <a:schemeClr val="bg1"/>
                 </a:solidFill>
               </a:rPr>
               <a:t>Indruino</a:t>
             </a:r>
-            <a:endParaRPr lang="en-US" dirty="0" smtClean="0">
+            <a:endParaRPr lang="en-US" dirty="0">
               <a:solidFill>
                 <a:schemeClr val="bg1"/>
               </a:solidFill>
@@ -1070,7 +1060,7 @@
           </a:p>
           <a:p>
             <a:r>
-              <a:rPr lang="en-US" dirty="0" err="1" smtClean="0">
+              <a:rPr lang="en-US" dirty="0" err="1">
                 <a:solidFill>
                   <a:schemeClr val="bg1"/>
                 </a:solidFill>
@@ -1078,7 +1068,7 @@
               <a:t>Bộ</a:t>
             </a:r>
             <a:r>
-              <a:rPr lang="en-US" dirty="0" smtClean="0">
+              <a:rPr lang="en-US" dirty="0">
                 <a:solidFill>
                   <a:schemeClr val="bg1"/>
                 </a:solidFill>
@@ -1086,7 +1076,7 @@
               <a:t> </a:t>
             </a:r>
             <a:r>
-              <a:rPr lang="en-US" dirty="0" err="1" smtClean="0">
+              <a:rPr lang="en-US" dirty="0" err="1">
                 <a:solidFill>
                   <a:schemeClr val="bg1"/>
                 </a:solidFill>
@@ -1094,7 +1084,7 @@
               <a:t>phận</a:t>
             </a:r>
             <a:r>
-              <a:rPr lang="en-US" dirty="0" smtClean="0">
+              <a:rPr lang="en-US" dirty="0">
                 <a:solidFill>
                   <a:schemeClr val="bg1"/>
                 </a:solidFill>
@@ -1102,7 +1092,7 @@
               <a:t>: </a:t>
             </a:r>
             <a:r>
-              <a:rPr lang="en-US" dirty="0" err="1" smtClean="0">
+              <a:rPr lang="en-US" dirty="0" err="1">
                 <a:solidFill>
                   <a:schemeClr val="bg1"/>
                 </a:solidFill>
@@ -1170,13 +1160,6 @@
   <p:clrMapOvr>
     <a:masterClrMapping/>
   </p:clrMapOvr>
-  <p:timing>
-    <p:tnLst>
-      <p:par>
-        <p:cTn id="1" dur="indefinite" restart="never" nodeType="tmRoot"/>
-      </p:par>
-    </p:tnLst>
-  </p:timing>
 </p:sldLayout>
 </file>
 
@@ -1224,10 +1207,9 @@
           </a:lstStyle>
           <a:p>
             <a:r>
-              <a:rPr lang="en-US" dirty="0" smtClean="0"/>
+              <a:rPr lang="en-US" dirty="0"/>
               <a:t>Title here</a:t>
             </a:r>
-            <a:endParaRPr lang="en-US" dirty="0"/>
           </a:p>
         </p:txBody>
       </p:sp>
@@ -1291,7 +1273,7 @@
           </a:lstStyle>
           <a:p>
             <a:r>
-              <a:rPr lang="en-US" dirty="0" smtClean="0"/>
+              <a:rPr lang="en-US" dirty="0"/>
               <a:t>Subtitle here</a:t>
             </a:r>
           </a:p>
@@ -1584,7 +1566,7 @@
           <a:p>
             <a:pPr lvl="0"/>
             <a:r>
-              <a:rPr lang="en-US" dirty="0" smtClean="0"/>
+              <a:rPr lang="en-US" dirty="0"/>
               <a:t>Content Here</a:t>
             </a:r>
           </a:p>
@@ -1600,13 +1582,6 @@
   <p:clrMapOvr>
     <a:masterClrMapping/>
   </p:clrMapOvr>
-  <p:timing>
-    <p:tnLst>
-      <p:par>
-        <p:cTn id="1" dur="indefinite" restart="never" nodeType="tmRoot"/>
-      </p:par>
-    </p:tnLst>
-  </p:timing>
 </p:sldLayout>
 </file>
 
@@ -1654,10 +1629,9 @@
           </a:lstStyle>
           <a:p>
             <a:r>
-              <a:rPr lang="en-US" dirty="0" smtClean="0"/>
+              <a:rPr lang="en-US" dirty="0"/>
               <a:t>Title here</a:t>
             </a:r>
-            <a:endParaRPr lang="en-US" dirty="0"/>
           </a:p>
         </p:txBody>
       </p:sp>
@@ -1721,7 +1695,7 @@
           </a:lstStyle>
           <a:p>
             <a:r>
-              <a:rPr lang="en-US" dirty="0" smtClean="0"/>
+              <a:rPr lang="en-US" dirty="0"/>
               <a:t>Subtitle here</a:t>
             </a:r>
           </a:p>
@@ -1953,7 +1927,7 @@
           <a:p>
             <a:pPr lvl="0"/>
             <a:r>
-              <a:rPr lang="en-US" dirty="0" smtClean="0"/>
+              <a:rPr lang="en-US" dirty="0"/>
               <a:t>Content Here</a:t>
             </a:r>
           </a:p>
@@ -2018,7 +1992,7 @@
           <a:p>
             <a:pPr lvl="0"/>
             <a:r>
-              <a:rPr lang="en-US" dirty="0" smtClean="0"/>
+              <a:rPr lang="en-US" dirty="0"/>
               <a:t>Content Here</a:t>
             </a:r>
           </a:p>
@@ -2083,7 +2057,7 @@
           <a:p>
             <a:pPr lvl="0"/>
             <a:r>
-              <a:rPr lang="en-US" dirty="0" smtClean="0"/>
+              <a:rPr lang="en-US" dirty="0"/>
               <a:t>Content Here</a:t>
             </a:r>
           </a:p>
@@ -2099,13 +2073,6 @@
   <p:clrMapOvr>
     <a:masterClrMapping/>
   </p:clrMapOvr>
-  <p:timing>
-    <p:tnLst>
-      <p:par>
-        <p:cTn id="1" dur="indefinite" restart="never" nodeType="tmRoot"/>
-      </p:par>
-    </p:tnLst>
-  </p:timing>
 </p:sldLayout>
 </file>
 
@@ -2275,10 +2242,9 @@
           </a:lstStyle>
           <a:p>
             <a:r>
-              <a:rPr lang="en-US" dirty="0" smtClean="0"/>
+              <a:rPr lang="en-US" dirty="0"/>
               <a:t>Title here</a:t>
             </a:r>
-            <a:endParaRPr lang="en-US" dirty="0"/>
           </a:p>
         </p:txBody>
       </p:sp>
@@ -2342,7 +2308,7 @@
           </a:lstStyle>
           <a:p>
             <a:r>
-              <a:rPr lang="en-US" dirty="0" smtClean="0"/>
+              <a:rPr lang="en-US" dirty="0"/>
               <a:t>Subtitle here</a:t>
             </a:r>
           </a:p>
@@ -2574,7 +2540,7 @@
           <a:p>
             <a:pPr lvl="0"/>
             <a:r>
-              <a:rPr lang="en-US" dirty="0" smtClean="0"/>
+              <a:rPr lang="en-US" dirty="0"/>
               <a:t>Content Here</a:t>
             </a:r>
           </a:p>
@@ -2590,13 +2556,6 @@
   <p:clrMapOvr>
     <a:masterClrMapping/>
   </p:clrMapOvr>
-  <p:timing>
-    <p:tnLst>
-      <p:par>
-        <p:cTn id="1" dur="indefinite" restart="never" nodeType="tmRoot"/>
-      </p:par>
-    </p:tnLst>
-  </p:timing>
 </p:sldLayout>
 </file>
 
@@ -2708,10 +2667,9 @@
           </a:lstStyle>
           <a:p>
             <a:r>
-              <a:rPr lang="en-US" dirty="0" smtClean="0"/>
+              <a:rPr lang="en-US" dirty="0"/>
               <a:t>Thanks you !</a:t>
             </a:r>
-            <a:endParaRPr lang="en-US" dirty="0"/>
           </a:p>
         </p:txBody>
       </p:sp>
@@ -2744,7 +2702,7 @@
           </a:lstStyle>
           <a:p>
             <a:r>
-              <a:rPr lang="en-US" smtClean="0"/>
+              <a:rPr lang="en-US"/>
               <a:t>www.indruino.com</a:t>
             </a:r>
             <a:endParaRPr lang="en-US" dirty="0"/>
@@ -2968,7 +2926,7 @@
           </a:lstStyle>
           <a:p>
             <a:r>
-              <a:rPr lang="en-US" dirty="0" err="1" smtClean="0">
+              <a:rPr lang="en-US" dirty="0" err="1">
                 <a:solidFill>
                   <a:schemeClr val="bg1"/>
                 </a:solidFill>
@@ -2976,7 +2934,7 @@
               <a:t>Diễn</a:t>
             </a:r>
             <a:r>
-              <a:rPr lang="en-US" dirty="0" smtClean="0">
+              <a:rPr lang="en-US" dirty="0">
                 <a:solidFill>
                   <a:schemeClr val="bg1"/>
                 </a:solidFill>
@@ -2984,7 +2942,7 @@
               <a:t> </a:t>
             </a:r>
             <a:r>
-              <a:rPr lang="en-US" dirty="0" err="1" smtClean="0">
+              <a:rPr lang="en-US" dirty="0" err="1">
                 <a:solidFill>
                   <a:schemeClr val="bg1"/>
                 </a:solidFill>
@@ -2992,7 +2950,7 @@
               <a:t>giả</a:t>
             </a:r>
             <a:r>
-              <a:rPr lang="en-US" dirty="0" smtClean="0">
+              <a:rPr lang="en-US" dirty="0">
                 <a:solidFill>
                   <a:schemeClr val="bg1"/>
                 </a:solidFill>
@@ -3000,14 +2958,14 @@
               <a:t>: </a:t>
             </a:r>
             <a:r>
-              <a:rPr lang="en-US" dirty="0" err="1" smtClean="0">
+              <a:rPr lang="en-US" dirty="0" err="1">
                 <a:solidFill>
                   <a:schemeClr val="bg1"/>
                 </a:solidFill>
               </a:rPr>
               <a:t>Indruino</a:t>
             </a:r>
-            <a:endParaRPr lang="en-US" dirty="0" smtClean="0">
+            <a:endParaRPr lang="en-US" dirty="0">
               <a:solidFill>
                 <a:schemeClr val="bg1"/>
               </a:solidFill>
@@ -3015,7 +2973,7 @@
           </a:p>
           <a:p>
             <a:r>
-              <a:rPr lang="en-US" dirty="0" err="1" smtClean="0">
+              <a:rPr lang="en-US" dirty="0" err="1">
                 <a:solidFill>
                   <a:schemeClr val="bg1"/>
                 </a:solidFill>
@@ -3023,7 +2981,7 @@
               <a:t>Bộ</a:t>
             </a:r>
             <a:r>
-              <a:rPr lang="en-US" dirty="0" smtClean="0">
+              <a:rPr lang="en-US" dirty="0">
                 <a:solidFill>
                   <a:schemeClr val="bg1"/>
                 </a:solidFill>
@@ -3031,7 +2989,7 @@
               <a:t> </a:t>
             </a:r>
             <a:r>
-              <a:rPr lang="en-US" dirty="0" err="1" smtClean="0">
+              <a:rPr lang="en-US" dirty="0" err="1">
                 <a:solidFill>
                   <a:schemeClr val="bg1"/>
                 </a:solidFill>
@@ -3039,7 +2997,7 @@
               <a:t>phận</a:t>
             </a:r>
             <a:r>
-              <a:rPr lang="en-US" dirty="0" smtClean="0">
+              <a:rPr lang="en-US" dirty="0">
                 <a:solidFill>
                   <a:schemeClr val="bg1"/>
                 </a:solidFill>
@@ -3047,7 +3005,7 @@
               <a:t>: </a:t>
             </a:r>
             <a:r>
-              <a:rPr lang="en-US" dirty="0" err="1" smtClean="0">
+              <a:rPr lang="en-US" dirty="0" err="1">
                 <a:solidFill>
                   <a:schemeClr val="bg1"/>
                 </a:solidFill>
@@ -3115,13 +3073,6 @@
   <p:clrMapOvr>
     <a:masterClrMapping/>
   </p:clrMapOvr>
-  <p:timing>
-    <p:tnLst>
-      <p:par>
-        <p:cTn id="1" dur="indefinite" restart="never" nodeType="tmRoot"/>
-      </p:par>
-    </p:tnLst>
-  </p:timing>
 </p:sldLayout>
 </file>
 
@@ -3176,10 +3127,9 @@
           <a:lstStyle/>
           <a:p>
             <a:r>
-              <a:rPr lang="en-US" smtClean="0"/>
+              <a:rPr lang="en-US"/>
               <a:t>Click to edit Master title style</a:t>
             </a:r>
-            <a:endParaRPr lang="en-US"/>
           </a:p>
         </p:txBody>
       </p:sp>
@@ -3210,38 +3160,37 @@
           <a:p>
             <a:pPr lvl="0"/>
             <a:r>
-              <a:rPr lang="en-US" smtClean="0"/>
+              <a:rPr lang="en-US"/>
               <a:t>Edit Master text styles</a:t>
             </a:r>
           </a:p>
           <a:p>
             <a:pPr lvl="1"/>
             <a:r>
-              <a:rPr lang="en-US" smtClean="0"/>
+              <a:rPr lang="en-US"/>
               <a:t>Second level</a:t>
             </a:r>
           </a:p>
           <a:p>
             <a:pPr lvl="2"/>
             <a:r>
-              <a:rPr lang="en-US" smtClean="0"/>
+              <a:rPr lang="en-US"/>
               <a:t>Third level</a:t>
             </a:r>
           </a:p>
           <a:p>
             <a:pPr lvl="3"/>
             <a:r>
-              <a:rPr lang="en-US" smtClean="0"/>
+              <a:rPr lang="en-US"/>
               <a:t>Fourth level</a:t>
             </a:r>
           </a:p>
           <a:p>
             <a:pPr lvl="4"/>
             <a:r>
-              <a:rPr lang="en-US" smtClean="0"/>
+              <a:rPr lang="en-US"/>
               <a:t>Fifth level</a:t>
             </a:r>
-            <a:endParaRPr lang="en-US"/>
           </a:p>
         </p:txBody>
       </p:sp>
@@ -3283,7 +3232,7 @@
           <a:p>
             <a:fld id="{6D9FEF56-C5D4-4D87-B961-211842A8ECEA}" type="datetime1">
               <a:rPr lang="en-US" smtClean="0"/>
-              <a:t>7/17/2020</a:t>
+              <a:t>8/23/2020</a:t>
             </a:fld>
             <a:endParaRPr lang="en-US"/>
           </a:p>
@@ -3326,7 +3275,7 @@
           </a:lstStyle>
           <a:p>
             <a:r>
-              <a:rPr lang="en-US" smtClean="0"/>
+              <a:rPr lang="en-US"/>
               <a:t>www.indruino.com</a:t>
             </a:r>
             <a:endParaRPr lang="en-US" dirty="0"/>
@@ -3394,13 +3343,6 @@
     <p:sldLayoutId id="2147483680" r:id="rId5"/>
     <p:sldLayoutId id="2147483663" r:id="rId6"/>
   </p:sldLayoutIdLst>
-  <p:timing>
-    <p:tnLst>
-      <p:par>
-        <p:cTn id="1" dur="indefinite" restart="never" nodeType="tmRoot"/>
-      </p:par>
-    </p:tnLst>
-  </p:timing>
   <p:hf sldNum="0" hdr="0" dt="0"/>
   <p:txStyles>
     <p:titleStyle>
@@ -3712,13 +3654,6 @@
   <p:clrMapOvr>
     <a:masterClrMapping/>
   </p:clrMapOvr>
-  <p:timing>
-    <p:tnLst>
-      <p:par>
-        <p:cTn id="1" dur="indefinite" restart="never" nodeType="tmRoot"/>
-      </p:par>
-    </p:tnLst>
-  </p:timing>
 </p:sld>
 </file>
 
@@ -3907,7 +3842,7 @@
                     </a:srgbClr>
                   </a:outerShdw>
                 </a:effectLst>
-                <a:latin typeface="Times New Roman" panose="02020603050405020304" pitchFamily="18" charset="0"/>
+                <a:latin typeface="Segoe UI Black" panose="020B0A02040204020203" pitchFamily="34" charset="0"/>
                 <a:cs typeface="Times New Roman" panose="02020603050405020304" pitchFamily="18" charset="0"/>
               </a:rPr>
               <a:t>1. NPM LÀ GÌ?</a:t>
@@ -3924,7 +3859,7 @@
         <p:spPr>
           <a:xfrm>
             <a:off x="6341660" y="1724297"/>
-            <a:ext cx="5623917" cy="5386090"/>
+            <a:ext cx="5623917" cy="6124754"/>
           </a:xfrm>
           <a:prstGeom prst="rect">
             <a:avLst/>
@@ -3943,7 +3878,7 @@
             </a:pPr>
             <a:r>
               <a:rPr lang="en-US" sz="2400" dirty="0">
-                <a:latin typeface="Times New Roman" panose="02020603050405020304" pitchFamily="18" charset="0"/>
+                <a:latin typeface="Segoe UI Black" panose="020B0A02040204020203" pitchFamily="34" charset="0"/>
                 <a:cs typeface="Times New Roman" panose="02020603050405020304" pitchFamily="18" charset="0"/>
               </a:rPr>
               <a:t>NPM viết tắt của Node package manager là một công cụ tạo và quản lý các thư viện lập trình Javascript cho Node.js. </a:t>
@@ -3955,7 +3890,7 @@
               <a:buChar char="Ø"/>
             </a:pPr>
             <a:endParaRPr lang="en-US" sz="2400" dirty="0">
-              <a:latin typeface="Times New Roman" panose="02020603050405020304" pitchFamily="18" charset="0"/>
+              <a:latin typeface="Segoe UI Black" panose="020B0A02040204020203" pitchFamily="34" charset="0"/>
               <a:cs typeface="Times New Roman" panose="02020603050405020304" pitchFamily="18" charset="0"/>
             </a:endParaRPr>
           </a:p>
@@ -3966,7 +3901,7 @@
             </a:pPr>
             <a:r>
               <a:rPr lang="en-US" sz="2400" dirty="0">
-                <a:latin typeface="Times New Roman" panose="02020603050405020304" pitchFamily="18" charset="0"/>
+                <a:latin typeface="Segoe UI Black" panose="020B0A02040204020203" pitchFamily="34" charset="0"/>
                 <a:cs typeface="Times New Roman" panose="02020603050405020304" pitchFamily="18" charset="0"/>
               </a:rPr>
               <a:t>Trong cộng đồng Javascript, các lập trình viên chia sẻ hàng trăm nghìn các thư viện với các đoạn code đã thực hiện sẵn một chức năng nào đó. </a:t>
@@ -3978,7 +3913,7 @@
               <a:buChar char="Ø"/>
             </a:pPr>
             <a:endParaRPr lang="en-US" sz="2400" dirty="0">
-              <a:latin typeface="Times New Roman" panose="02020603050405020304" pitchFamily="18" charset="0"/>
+              <a:latin typeface="Segoe UI Black" panose="020B0A02040204020203" pitchFamily="34" charset="0"/>
               <a:cs typeface="Times New Roman" panose="02020603050405020304" pitchFamily="18" charset="0"/>
             </a:endParaRPr>
           </a:p>
@@ -3989,7 +3924,7 @@
             </a:pPr>
             <a:r>
               <a:rPr lang="en-US" sz="2400" dirty="0">
-                <a:latin typeface="Times New Roman" panose="02020603050405020304" pitchFamily="18" charset="0"/>
+                <a:latin typeface="Segoe UI Black" panose="020B0A02040204020203" pitchFamily="34" charset="0"/>
                 <a:cs typeface="Times New Roman" panose="02020603050405020304" pitchFamily="18" charset="0"/>
               </a:rPr>
               <a:t>Nó giúp cho các dự án mới tránh phải viết lại các thành phần cơ bản, các thư viện lập trình hay thậm chí cả các framework.</a:t>
@@ -3997,7 +3932,7 @@
           </a:p>
           <a:p>
             <a:endParaRPr lang="en-US" sz="3200" dirty="0">
-              <a:latin typeface="Times New Roman" panose="02020603050405020304" pitchFamily="18" charset="0"/>
+              <a:latin typeface="Segoe UI Black" panose="020B0A02040204020203" pitchFamily="34" charset="0"/>
               <a:cs typeface="Times New Roman" panose="02020603050405020304" pitchFamily="18" charset="0"/>
             </a:endParaRPr>
           </a:p>
@@ -4187,7 +4122,7 @@
                     </a:srgbClr>
                   </a:outerShdw>
                 </a:effectLst>
-                <a:latin typeface="Times New Roman" panose="02020603050405020304" pitchFamily="18" charset="0"/>
+                <a:latin typeface="Segoe UI Black" panose="020B0A02040204020203" pitchFamily="34" charset="0"/>
                 <a:cs typeface="Times New Roman" panose="02020603050405020304" pitchFamily="18" charset="0"/>
               </a:rPr>
               <a:t>2. KHỞI TẠO NPN</a:t>
@@ -4223,7 +4158,7 @@
             </a:pPr>
             <a:r>
               <a:rPr lang="en-US" sz="2400" dirty="0">
-                <a:latin typeface="Times New Roman" panose="02020603050405020304" pitchFamily="18" charset="0"/>
+                <a:latin typeface="Segoe UI Black" panose="020B0A02040204020203" pitchFamily="34" charset="0"/>
                 <a:cs typeface="Times New Roman" panose="02020603050405020304" pitchFamily="18" charset="0"/>
               </a:rPr>
               <a:t>Khởi động cmd (Command Prompt)</a:t>
@@ -4231,7 +4166,7 @@
           </a:p>
           <a:p>
             <a:endParaRPr lang="en-US" sz="2400" dirty="0">
-              <a:latin typeface="Times New Roman" panose="02020603050405020304" pitchFamily="18" charset="0"/>
+              <a:latin typeface="Segoe UI Black" panose="020B0A02040204020203" pitchFamily="34" charset="0"/>
               <a:cs typeface="Times New Roman" panose="02020603050405020304" pitchFamily="18" charset="0"/>
             </a:endParaRPr>
           </a:p>
@@ -4242,7 +4177,7 @@
             </a:pPr>
             <a:r>
               <a:rPr lang="en-US" sz="2400" dirty="0">
-                <a:latin typeface="Times New Roman" panose="02020603050405020304" pitchFamily="18" charset="0"/>
+                <a:latin typeface="Segoe UI Black" panose="020B0A02040204020203" pitchFamily="34" charset="0"/>
                 <a:cs typeface="Times New Roman" panose="02020603050405020304" pitchFamily="18" charset="0"/>
               </a:rPr>
               <a:t>Nhập lệnh “npm init -yes”</a:t>
@@ -4254,7 +4189,7 @@
               <a:buChar char="Ø"/>
             </a:pPr>
             <a:endParaRPr lang="en-US" sz="2400" dirty="0">
-              <a:latin typeface="Times New Roman" panose="02020603050405020304" pitchFamily="18" charset="0"/>
+              <a:latin typeface="Segoe UI Black" panose="020B0A02040204020203" pitchFamily="34" charset="0"/>
               <a:cs typeface="Times New Roman" panose="02020603050405020304" pitchFamily="18" charset="0"/>
             </a:endParaRPr>
           </a:p>
@@ -4265,7 +4200,7 @@
             </a:pPr>
             <a:r>
               <a:rPr lang="en-US" sz="2400" dirty="0">
-                <a:latin typeface="Times New Roman" panose="02020603050405020304" pitchFamily="18" charset="0"/>
+                <a:latin typeface="Segoe UI Black" panose="020B0A02040204020203" pitchFamily="34" charset="0"/>
                 <a:cs typeface="Times New Roman" panose="02020603050405020304" pitchFamily="18" charset="0"/>
               </a:rPr>
               <a:t>File package.json được khởi tạo.</a:t>
@@ -4844,7 +4779,7 @@
           <a:p>
             <a:r>
               <a:rPr lang="en-US" sz="2400" dirty="0">
-                <a:latin typeface="Times New Roman" panose="02020603050405020304" pitchFamily="18" charset="0"/>
+                <a:latin typeface="Segoe UI Black" panose="020B0A02040204020203" pitchFamily="34" charset="0"/>
                 <a:cs typeface="Times New Roman" panose="02020603050405020304" pitchFamily="18" charset="0"/>
               </a:rPr>
               <a:t>Các lệnh sử dụng để thêm package:</a:t>
@@ -4852,7 +4787,7 @@
           </a:p>
           <a:p>
             <a:endParaRPr lang="en-US" sz="2400" dirty="0">
-              <a:latin typeface="Times New Roman" panose="02020603050405020304" pitchFamily="18" charset="0"/>
+              <a:latin typeface="Segoe UI Black" panose="020B0A02040204020203" pitchFamily="34" charset="0"/>
               <a:cs typeface="Times New Roman" panose="02020603050405020304" pitchFamily="18" charset="0"/>
             </a:endParaRPr>
           </a:p>
@@ -4863,7 +4798,7 @@
             </a:pPr>
             <a:r>
               <a:rPr lang="en-US" sz="2400" dirty="0">
-                <a:latin typeface="Times New Roman" panose="02020603050405020304" pitchFamily="18" charset="0"/>
+                <a:latin typeface="Segoe UI Black" panose="020B0A02040204020203" pitchFamily="34" charset="0"/>
                 <a:cs typeface="Times New Roman" panose="02020603050405020304" pitchFamily="18" charset="0"/>
               </a:rPr>
               <a:t>npm install package-name</a:t>
@@ -4871,14 +4806,14 @@
           </a:p>
           <a:p>
             <a:endParaRPr lang="en-US" sz="2400" dirty="0">
-              <a:latin typeface="Times New Roman" panose="02020603050405020304" pitchFamily="18" charset="0"/>
+              <a:latin typeface="Segoe UI Black" panose="020B0A02040204020203" pitchFamily="34" charset="0"/>
               <a:cs typeface="Times New Roman" panose="02020603050405020304" pitchFamily="18" charset="0"/>
             </a:endParaRPr>
           </a:p>
           <a:p>
             <a:r>
               <a:rPr lang="en-US" sz="2400" i="1" dirty="0">
-                <a:latin typeface="Times New Roman" panose="02020603050405020304" pitchFamily="18" charset="0"/>
+                <a:latin typeface="Segoe UI Black" panose="020B0A02040204020203" pitchFamily="34" charset="0"/>
                 <a:cs typeface="Times New Roman" panose="02020603050405020304" pitchFamily="18" charset="0"/>
               </a:rPr>
               <a:t>Trong đó package-name là tên gói muốn cài đặt</a:t>
@@ -4886,27 +4821,27 @@
           </a:p>
           <a:p>
             <a:endParaRPr lang="en-US" sz="2400" i="1" dirty="0">
-              <a:latin typeface="Times New Roman" panose="02020603050405020304" pitchFamily="18" charset="0"/>
+              <a:latin typeface="Segoe UI Black" panose="020B0A02040204020203" pitchFamily="34" charset="0"/>
               <a:cs typeface="Times New Roman" panose="02020603050405020304" pitchFamily="18" charset="0"/>
             </a:endParaRPr>
           </a:p>
           <a:p>
             <a:r>
               <a:rPr lang="en-US" sz="2400" i="1" dirty="0">
-                <a:latin typeface="Times New Roman" panose="02020603050405020304" pitchFamily="18" charset="0"/>
+                <a:latin typeface="Segoe UI Black" panose="020B0A02040204020203" pitchFamily="34" charset="0"/>
                 <a:cs typeface="Times New Roman" panose="02020603050405020304" pitchFamily="18" charset="0"/>
               </a:rPr>
               <a:t>Ví dụ: </a:t>
             </a:r>
             <a:r>
               <a:rPr lang="en-US" sz="2400" dirty="0">
-                <a:latin typeface="Times New Roman" panose="02020603050405020304" pitchFamily="18" charset="0"/>
+                <a:latin typeface="Segoe UI Black" panose="020B0A02040204020203" pitchFamily="34" charset="0"/>
                 <a:cs typeface="Times New Roman" panose="02020603050405020304" pitchFamily="18" charset="0"/>
               </a:rPr>
               <a:t>npm install vue</a:t>
             </a:r>
             <a:endParaRPr lang="en-US" sz="4000" dirty="0">
-              <a:latin typeface="Times New Roman" panose="02020603050405020304" pitchFamily="18" charset="0"/>
+              <a:latin typeface="Segoe UI Black" panose="020B0A02040204020203" pitchFamily="34" charset="0"/>
               <a:cs typeface="Times New Roman" panose="02020603050405020304" pitchFamily="18" charset="0"/>
             </a:endParaRPr>
           </a:p>
@@ -4925,7 +4860,7 @@
         <p:spPr>
           <a:xfrm>
             <a:off x="1971675" y="571487"/>
-            <a:ext cx="4778552" cy="590931"/>
+            <a:ext cx="5376793" cy="590931"/>
           </a:xfrm>
           <a:prstGeom prst="rect">
             <a:avLst/>
@@ -4950,42 +4885,11 @@
                     </a:srgbClr>
                   </a:outerShdw>
                 </a:effectLst>
-                <a:latin typeface="Times New Roman" panose="02020603050405020304" pitchFamily="18" charset="0"/>
+                <a:latin typeface="Segoe UI Black" panose="020B0A02040204020203" pitchFamily="34" charset="0"/>
                 <a:cs typeface="Times New Roman" panose="02020603050405020304" pitchFamily="18" charset="0"/>
               </a:rPr>
-              <a:t>3. Thêm 1 Package </a:t>
-            </a:r>
-            <a:r>
-              <a:rPr lang="en-US" sz="3600" b="1" dirty="0" smtClean="0">
-                <a:solidFill>
-                  <a:srgbClr val="FF0000"/>
-                </a:solidFill>
-                <a:effectLst>
-                  <a:outerShdw blurRad="38100" dist="38100" dir="2700000" algn="tl">
-                    <a:srgbClr val="000000">
-                      <a:alpha val="43137"/>
-                    </a:srgbClr>
-                  </a:outerShdw>
-                </a:effectLst>
-                <a:latin typeface="Times New Roman" panose="02020603050405020304" pitchFamily="18" charset="0"/>
-                <a:cs typeface="Times New Roman" panose="02020603050405020304" pitchFamily="18" charset="0"/>
-              </a:rPr>
-              <a:t>mới</a:t>
-            </a:r>
-            <a:endParaRPr lang="en-US" sz="3600" b="1" dirty="0">
-              <a:solidFill>
-                <a:srgbClr val="FF0000"/>
-              </a:solidFill>
-              <a:effectLst>
-                <a:outerShdw blurRad="38100" dist="38100" dir="2700000" algn="tl">
-                  <a:srgbClr val="000000">
-                    <a:alpha val="43137"/>
-                  </a:srgbClr>
-                </a:outerShdw>
-              </a:effectLst>
-              <a:latin typeface="Times New Roman" panose="02020603050405020304" pitchFamily="18" charset="0"/>
-              <a:cs typeface="Times New Roman" panose="02020603050405020304" pitchFamily="18" charset="0"/>
-            </a:endParaRPr>
+              <a:t>3. Thêm 1 Package mới</a:t>
+            </a:r>
           </a:p>
         </p:txBody>
       </p:sp>
@@ -5012,16 +4916,12 @@
           <a:lstStyle/>
           <a:p>
             <a:r>
-              <a:rPr lang="en-US" sz="2000" dirty="0" smtClean="0">
-                <a:latin typeface="Times New Roman" panose="02020603050405020304" pitchFamily="18" charset="0"/>
+              <a:rPr lang="en-US" sz="2000" dirty="0">
+                <a:latin typeface="Segoe UI Black" panose="020B0A02040204020203" pitchFamily="34" charset="0"/>
                 <a:cs typeface="Times New Roman" panose="02020603050405020304" pitchFamily="18" charset="0"/>
               </a:rPr>
               <a:t>File package sau khi thêm</a:t>
             </a:r>
-            <a:endParaRPr lang="en-US" sz="2000" dirty="0">
-              <a:latin typeface="Times New Roman" panose="02020603050405020304" pitchFamily="18" charset="0"/>
-              <a:cs typeface="Times New Roman" panose="02020603050405020304" pitchFamily="18" charset="0"/>
-            </a:endParaRPr>
           </a:p>
         </p:txBody>
       </p:sp>
@@ -5482,7 +5382,7 @@
             </a:pPr>
             <a:r>
               <a:rPr lang="en-US" altLang="en-US" sz="2400" b="1" dirty="0">
-                <a:latin typeface="Times New Roman" panose="02020603050405020304" pitchFamily="18" charset="0"/>
+                <a:latin typeface="Segoe UI Black" panose="020B0A02040204020203" pitchFamily="34" charset="0"/>
                 <a:ea typeface="Calibri" panose="020F0502020204030204" pitchFamily="34" charset="0"/>
                 <a:cs typeface="Times New Roman" panose="02020603050405020304" pitchFamily="18" charset="0"/>
               </a:rPr>
@@ -5490,7 +5390,7 @@
             </a:r>
             <a:r>
               <a:rPr lang="en-US" altLang="en-US" sz="2400" dirty="0">
-                <a:latin typeface="Times New Roman" panose="02020603050405020304" pitchFamily="18" charset="0"/>
+                <a:latin typeface="Segoe UI Black" panose="020B0A02040204020203" pitchFamily="34" charset="0"/>
                 <a:ea typeface="Calibri" panose="020F0502020204030204" pitchFamily="34" charset="0"/>
                 <a:cs typeface="Times New Roman" panose="02020603050405020304" pitchFamily="18" charset="0"/>
               </a:rPr>
@@ -5498,7 +5398,7 @@
             </a:r>
             <a:r>
               <a:rPr lang="en-US" altLang="en-US" sz="2400" i="1" dirty="0">
-                <a:latin typeface="Times New Roman" panose="02020603050405020304" pitchFamily="18" charset="0"/>
+                <a:latin typeface="Segoe UI Black" panose="020B0A02040204020203" pitchFamily="34" charset="0"/>
                 <a:ea typeface="Calibri" panose="020F0502020204030204" pitchFamily="34" charset="0"/>
                 <a:cs typeface="Times New Roman" panose="02020603050405020304" pitchFamily="18" charset="0"/>
               </a:rPr>
@@ -5518,7 +5418,7 @@
               </a:spcAft>
             </a:pPr>
             <a:endParaRPr lang="en-US" altLang="en-US" sz="2400" dirty="0">
-              <a:latin typeface="Times New Roman" panose="02020603050405020304" pitchFamily="18" charset="0"/>
+              <a:latin typeface="Segoe UI Black" panose="020B0A02040204020203" pitchFamily="34" charset="0"/>
               <a:cs typeface="Times New Roman" panose="02020603050405020304" pitchFamily="18" charset="0"/>
             </a:endParaRPr>
           </a:p>
@@ -5538,7 +5438,7 @@
             </a:pPr>
             <a:r>
               <a:rPr lang="en-US" altLang="en-US" sz="2400" b="1" dirty="0">
-                <a:latin typeface="Times New Roman" panose="02020603050405020304" pitchFamily="18" charset="0"/>
+                <a:latin typeface="Segoe UI Black" panose="020B0A02040204020203" pitchFamily="34" charset="0"/>
                 <a:ea typeface="Calibri" panose="020F0502020204030204" pitchFamily="34" charset="0"/>
                 <a:cs typeface="Times New Roman" panose="02020603050405020304" pitchFamily="18" charset="0"/>
               </a:rPr>
@@ -5546,7 +5446,7 @@
             </a:r>
             <a:r>
               <a:rPr lang="en-US" altLang="en-US" sz="2400" dirty="0">
-                <a:latin typeface="Times New Roman" panose="02020603050405020304" pitchFamily="18" charset="0"/>
+                <a:latin typeface="Segoe UI Black" panose="020B0A02040204020203" pitchFamily="34" charset="0"/>
                 <a:ea typeface="Calibri" panose="020F0502020204030204" pitchFamily="34" charset="0"/>
                 <a:cs typeface="Times New Roman" panose="02020603050405020304" pitchFamily="18" charset="0"/>
               </a:rPr>
@@ -5554,7 +5454,7 @@
             </a:r>
             <a:r>
               <a:rPr lang="en-US" altLang="en-US" sz="2400" i="1" dirty="0">
-                <a:latin typeface="Times New Roman" panose="02020603050405020304" pitchFamily="18" charset="0"/>
+                <a:latin typeface="Segoe UI Black" panose="020B0A02040204020203" pitchFamily="34" charset="0"/>
                 <a:ea typeface="Calibri" panose="020F0502020204030204" pitchFamily="34" charset="0"/>
                 <a:cs typeface="Times New Roman" panose="02020603050405020304" pitchFamily="18" charset="0"/>
               </a:rPr>
@@ -5576,7 +5476,7 @@
               <a:buChar char="Ø"/>
             </a:pPr>
             <a:endParaRPr lang="en-US" altLang="en-US" sz="2400" i="1" dirty="0">
-              <a:latin typeface="Times New Roman" panose="02020603050405020304" pitchFamily="18" charset="0"/>
+              <a:latin typeface="Segoe UI Black" panose="020B0A02040204020203" pitchFamily="34" charset="0"/>
               <a:ea typeface="Calibri" panose="020F0502020204030204" pitchFamily="34" charset="0"/>
               <a:cs typeface="Times New Roman" panose="02020603050405020304" pitchFamily="18" charset="0"/>
             </a:endParaRPr>
@@ -5595,7 +5495,7 @@
             </a:pPr>
             <a:r>
               <a:rPr lang="en-US" altLang="en-US" sz="2400" i="1" dirty="0">
-                <a:latin typeface="Times New Roman" panose="02020603050405020304" pitchFamily="18" charset="0"/>
+                <a:latin typeface="Segoe UI Black" panose="020B0A02040204020203" pitchFamily="34" charset="0"/>
                 <a:cs typeface="Times New Roman" panose="02020603050405020304" pitchFamily="18" charset="0"/>
               </a:rPr>
               <a:t>	ví dụ:</a:t>
@@ -5608,7 +5508,7 @@
             </a:r>
             <a:r>
               <a:rPr lang="en-US" sz="2400" i="1" dirty="0">
-                <a:latin typeface="Times New Roman" panose="02020603050405020304" pitchFamily="18" charset="0"/>
+                <a:latin typeface="Segoe UI Black" panose="020B0A02040204020203" pitchFamily="34" charset="0"/>
                 <a:cs typeface="Times New Roman" panose="02020603050405020304" pitchFamily="18" charset="0"/>
               </a:rPr>
               <a:t>var require('gulp');</a:t>
@@ -5618,7 +5518,7 @@
             <a:pPr latinLnBrk="1"/>
             <a:r>
               <a:rPr lang="en-US" sz="2400" i="1" dirty="0">
-                <a:latin typeface="Times New Roman" panose="02020603050405020304" pitchFamily="18" charset="0"/>
+                <a:latin typeface="Segoe UI Black" panose="020B0A02040204020203" pitchFamily="34" charset="0"/>
                 <a:cs typeface="Times New Roman" panose="02020603050405020304" pitchFamily="18" charset="0"/>
               </a:rPr>
               <a:t>	gulp.task('hello', function() {</a:t>
@@ -5628,7 +5528,7 @@
             <a:pPr latinLnBrk="1"/>
             <a:r>
               <a:rPr lang="en-US" sz="2400" i="1" dirty="0">
-                <a:latin typeface="Times New Roman" panose="02020603050405020304" pitchFamily="18" charset="0"/>
+                <a:latin typeface="Segoe UI Black" panose="020B0A02040204020203" pitchFamily="34" charset="0"/>
                 <a:cs typeface="Times New Roman" panose="02020603050405020304" pitchFamily="18" charset="0"/>
               </a:rPr>
               <a:t>  	console.log('Hello World');}</a:t>
@@ -5647,7 +5547,7 @@
               </a:spcAft>
             </a:pPr>
             <a:endParaRPr lang="en-US" altLang="en-US" sz="2400" i="1" dirty="0">
-              <a:latin typeface="Times New Roman" panose="02020603050405020304" pitchFamily="18" charset="0"/>
+              <a:latin typeface="Segoe UI Black" panose="020B0A02040204020203" pitchFamily="34" charset="0"/>
               <a:cs typeface="Times New Roman" panose="02020603050405020304" pitchFamily="18" charset="0"/>
             </a:endParaRPr>
           </a:p>
@@ -5666,7 +5566,7 @@
         <p:spPr>
           <a:xfrm>
             <a:off x="1971675" y="571487"/>
-            <a:ext cx="4921219" cy="590931"/>
+            <a:ext cx="5541902" cy="590931"/>
           </a:xfrm>
           <a:prstGeom prst="rect">
             <a:avLst/>
@@ -5691,7 +5591,7 @@
                     </a:srgbClr>
                   </a:outerShdw>
                 </a:effectLst>
-                <a:latin typeface="Times New Roman" panose="02020603050405020304" pitchFamily="18" charset="0"/>
+                <a:latin typeface="Segoe UI Black" panose="020B0A02040204020203" pitchFamily="34" charset="0"/>
                 <a:cs typeface="Times New Roman" panose="02020603050405020304" pitchFamily="18" charset="0"/>
               </a:rPr>
               <a:t>4. Ví trí thêm 1 Package</a:t>
@@ -6116,7 +6016,7 @@
           <a:p>
             <a:r>
               <a:rPr lang="en-US" sz="2400" dirty="0">
-                <a:latin typeface="Times New Roman" panose="02020603050405020304" pitchFamily="18" charset="0"/>
+                <a:latin typeface="Segoe UI Black" panose="020B0A02040204020203" pitchFamily="34" charset="0"/>
                 <a:cs typeface="Times New Roman" panose="02020603050405020304" pitchFamily="18" charset="0"/>
               </a:rPr>
               <a:t>Các lệnh sử dụng để upgrade package:</a:t>
@@ -6124,7 +6024,7 @@
           </a:p>
           <a:p>
             <a:endParaRPr lang="en-US" sz="2400" dirty="0">
-              <a:latin typeface="Times New Roman" panose="02020603050405020304" pitchFamily="18" charset="0"/>
+              <a:latin typeface="Segoe UI Black" panose="020B0A02040204020203" pitchFamily="34" charset="0"/>
               <a:cs typeface="Times New Roman" panose="02020603050405020304" pitchFamily="18" charset="0"/>
             </a:endParaRPr>
           </a:p>
@@ -6135,7 +6035,7 @@
             </a:pPr>
             <a:r>
               <a:rPr lang="en-US" sz="2400" dirty="0">
-                <a:latin typeface="Times New Roman" panose="02020603050405020304" pitchFamily="18" charset="0"/>
+                <a:latin typeface="Segoe UI Black" panose="020B0A02040204020203" pitchFamily="34" charset="0"/>
                 <a:cs typeface="Times New Roman" panose="02020603050405020304" pitchFamily="18" charset="0"/>
               </a:rPr>
               <a:t>npm update // update toàn bộ</a:t>
@@ -6143,7 +6043,7 @@
           </a:p>
           <a:p>
             <a:endParaRPr lang="en-US" sz="2400" dirty="0">
-              <a:latin typeface="Times New Roman" panose="02020603050405020304" pitchFamily="18" charset="0"/>
+              <a:latin typeface="Segoe UI Black" panose="020B0A02040204020203" pitchFamily="34" charset="0"/>
               <a:cs typeface="Times New Roman" panose="02020603050405020304" pitchFamily="18" charset="0"/>
             </a:endParaRPr>
           </a:p>
@@ -6154,70 +6054,38 @@
             </a:pPr>
             <a:r>
               <a:rPr lang="en-US" sz="2400" dirty="0">
-                <a:latin typeface="Times New Roman" panose="02020603050405020304" pitchFamily="18" charset="0"/>
+                <a:latin typeface="Segoe UI Black" panose="020B0A02040204020203" pitchFamily="34" charset="0"/>
                 <a:cs typeface="Times New Roman" panose="02020603050405020304" pitchFamily="18" charset="0"/>
               </a:rPr>
               <a:t>npm update packet_name </a:t>
             </a:r>
-            <a:endParaRPr lang="en-US" sz="2400" dirty="0" smtClean="0">
-              <a:latin typeface="Times New Roman" panose="02020603050405020304" pitchFamily="18" charset="0"/>
+          </a:p>
+          <a:p>
+            <a:r>
+              <a:rPr lang="en-US" sz="2400" i="1" dirty="0">
+                <a:latin typeface="Segoe UI Black" panose="020B0A02040204020203" pitchFamily="34" charset="0"/>
+                <a:cs typeface="Times New Roman" panose="02020603050405020304" pitchFamily="18" charset="0"/>
+              </a:rPr>
+              <a:t>	     //update 1 packet cụ thể</a:t>
+            </a:r>
+          </a:p>
+          <a:p>
+            <a:endParaRPr lang="en-US" sz="2400" i="1" dirty="0">
+              <a:latin typeface="Segoe UI Black" panose="020B0A02040204020203" pitchFamily="34" charset="0"/>
               <a:cs typeface="Times New Roman" panose="02020603050405020304" pitchFamily="18" charset="0"/>
             </a:endParaRPr>
           </a:p>
           <a:p>
             <a:r>
               <a:rPr lang="en-US" sz="2400" i="1" dirty="0">
-                <a:latin typeface="Times New Roman" panose="02020603050405020304" pitchFamily="18" charset="0"/>
-                <a:cs typeface="Times New Roman" panose="02020603050405020304" pitchFamily="18" charset="0"/>
-              </a:rPr>
-              <a:t>	 </a:t>
-            </a:r>
-            <a:r>
-              <a:rPr lang="en-US" sz="2400" i="1" dirty="0" smtClean="0">
-                <a:latin typeface="Times New Roman" panose="02020603050405020304" pitchFamily="18" charset="0"/>
-                <a:cs typeface="Times New Roman" panose="02020603050405020304" pitchFamily="18" charset="0"/>
-              </a:rPr>
-              <a:t>    //</a:t>
-            </a:r>
-            <a:r>
-              <a:rPr lang="en-US" sz="2400" i="1" dirty="0">
-                <a:latin typeface="Times New Roman" panose="02020603050405020304" pitchFamily="18" charset="0"/>
-                <a:cs typeface="Times New Roman" panose="02020603050405020304" pitchFamily="18" charset="0"/>
-              </a:rPr>
-              <a:t>update 1 packet </a:t>
-            </a:r>
-            <a:r>
-              <a:rPr lang="en-US" sz="2400" i="1" dirty="0" smtClean="0">
-                <a:latin typeface="Times New Roman" panose="02020603050405020304" pitchFamily="18" charset="0"/>
-                <a:cs typeface="Times New Roman" panose="02020603050405020304" pitchFamily="18" charset="0"/>
-              </a:rPr>
-              <a:t>cụ </a:t>
-            </a:r>
-            <a:r>
-              <a:rPr lang="en-US" sz="2400" i="1" dirty="0">
-                <a:latin typeface="Times New Roman" panose="02020603050405020304" pitchFamily="18" charset="0"/>
-                <a:cs typeface="Times New Roman" panose="02020603050405020304" pitchFamily="18" charset="0"/>
-              </a:rPr>
-              <a:t>thể</a:t>
-            </a:r>
-          </a:p>
-          <a:p>
-            <a:endParaRPr lang="en-US" sz="2400" i="1" dirty="0">
-              <a:latin typeface="Times New Roman" panose="02020603050405020304" pitchFamily="18" charset="0"/>
-              <a:cs typeface="Times New Roman" panose="02020603050405020304" pitchFamily="18" charset="0"/>
-            </a:endParaRPr>
-          </a:p>
-          <a:p>
-            <a:r>
-              <a:rPr lang="en-US" sz="2400" i="1" dirty="0">
-                <a:latin typeface="Times New Roman" panose="02020603050405020304" pitchFamily="18" charset="0"/>
+                <a:latin typeface="Segoe UI Black" panose="020B0A02040204020203" pitchFamily="34" charset="0"/>
                 <a:cs typeface="Times New Roman" panose="02020603050405020304" pitchFamily="18" charset="0"/>
               </a:rPr>
               <a:t>Ví dụ: </a:t>
             </a:r>
             <a:r>
               <a:rPr lang="en-US" sz="2400" dirty="0">
-                <a:latin typeface="Times New Roman" panose="02020603050405020304" pitchFamily="18" charset="0"/>
+                <a:latin typeface="Segoe UI Black" panose="020B0A02040204020203" pitchFamily="34" charset="0"/>
                 <a:cs typeface="Times New Roman" panose="02020603050405020304" pitchFamily="18" charset="0"/>
               </a:rPr>
               <a:t>npm upadate vue</a:t>
@@ -6225,7 +6093,7 @@
           </a:p>
           <a:p>
             <a:endParaRPr lang="en-US" sz="2400" dirty="0">
-              <a:latin typeface="Times New Roman" panose="02020603050405020304" pitchFamily="18" charset="0"/>
+              <a:latin typeface="Segoe UI Black" panose="020B0A02040204020203" pitchFamily="34" charset="0"/>
               <a:cs typeface="Times New Roman" panose="02020603050405020304" pitchFamily="18" charset="0"/>
             </a:endParaRPr>
           </a:p>
@@ -6244,7 +6112,7 @@
         <p:spPr>
           <a:xfrm>
             <a:off x="1971675" y="571487"/>
-            <a:ext cx="3813865" cy="590931"/>
+            <a:ext cx="4384534" cy="590931"/>
           </a:xfrm>
           <a:prstGeom prst="rect">
             <a:avLst/>
@@ -6269,7 +6137,7 @@
                     </a:srgbClr>
                   </a:outerShdw>
                 </a:effectLst>
-                <a:latin typeface="Times New Roman" panose="02020603050405020304" pitchFamily="18" charset="0"/>
+                <a:latin typeface="Segoe UI Black" panose="020B0A02040204020203" pitchFamily="34" charset="0"/>
                 <a:cs typeface="Times New Roman" panose="02020603050405020304" pitchFamily="18" charset="0"/>
               </a:rPr>
               <a:t>5. Update package</a:t>
@@ -6998,7 +6866,7 @@
           <a:p>
             <a:r>
               <a:rPr lang="en-US" sz="2400" dirty="0">
-                <a:latin typeface="Times New Roman" panose="02020603050405020304" pitchFamily="18" charset="0"/>
+                <a:latin typeface="Segoe UI Black" panose="020B0A02040204020203" pitchFamily="34" charset="0"/>
                 <a:cs typeface="Times New Roman" panose="02020603050405020304" pitchFamily="18" charset="0"/>
               </a:rPr>
               <a:t>Lệnh sử dụng để remove package:</a:t>
@@ -7006,7 +6874,7 @@
           </a:p>
           <a:p>
             <a:endParaRPr lang="en-US" sz="2400" dirty="0">
-              <a:latin typeface="Times New Roman" panose="02020603050405020304" pitchFamily="18" charset="0"/>
+              <a:latin typeface="Segoe UI Black" panose="020B0A02040204020203" pitchFamily="34" charset="0"/>
               <a:cs typeface="Times New Roman" panose="02020603050405020304" pitchFamily="18" charset="0"/>
             </a:endParaRPr>
           </a:p>
@@ -7017,7 +6885,7 @@
             </a:pPr>
             <a:r>
               <a:rPr lang="en-US" sz="2400" dirty="0">
-                <a:latin typeface="Times New Roman" panose="02020603050405020304" pitchFamily="18" charset="0"/>
+                <a:latin typeface="Segoe UI Black" panose="020B0A02040204020203" pitchFamily="34" charset="0"/>
                 <a:cs typeface="Times New Roman" panose="02020603050405020304" pitchFamily="18" charset="0"/>
               </a:rPr>
               <a:t>npm uninstall package_name</a:t>
@@ -7025,14 +6893,14 @@
           </a:p>
           <a:p>
             <a:endParaRPr lang="en-US" sz="2400" dirty="0">
-              <a:latin typeface="Times New Roman" panose="02020603050405020304" pitchFamily="18" charset="0"/>
+              <a:latin typeface="Segoe UI Black" panose="020B0A02040204020203" pitchFamily="34" charset="0"/>
               <a:cs typeface="Times New Roman" panose="02020603050405020304" pitchFamily="18" charset="0"/>
             </a:endParaRPr>
           </a:p>
           <a:p>
             <a:r>
               <a:rPr lang="en-US" sz="2400" dirty="0">
-                <a:latin typeface="Times New Roman" panose="02020603050405020304" pitchFamily="18" charset="0"/>
+                <a:latin typeface="Segoe UI Black" panose="020B0A02040204020203" pitchFamily="34" charset="0"/>
                 <a:cs typeface="Times New Roman" panose="02020603050405020304" pitchFamily="18" charset="0"/>
               </a:rPr>
               <a:t>vd: npm uninstall vue</a:t>
@@ -7040,7 +6908,7 @@
           </a:p>
           <a:p>
             <a:endParaRPr lang="en-US" sz="2400" dirty="0">
-              <a:latin typeface="Times New Roman" panose="02020603050405020304" pitchFamily="18" charset="0"/>
+              <a:latin typeface="Segoe UI Black" panose="020B0A02040204020203" pitchFamily="34" charset="0"/>
               <a:cs typeface="Times New Roman" panose="02020603050405020304" pitchFamily="18" charset="0"/>
             </a:endParaRPr>
           </a:p>
@@ -7059,7 +6927,7 @@
         <p:spPr>
           <a:xfrm>
             <a:off x="1971675" y="571487"/>
-            <a:ext cx="3967753" cy="590931"/>
+            <a:ext cx="4573688" cy="590931"/>
           </a:xfrm>
           <a:prstGeom prst="rect">
             <a:avLst/>
@@ -7084,7 +6952,7 @@
                     </a:srgbClr>
                   </a:outerShdw>
                 </a:effectLst>
-                <a:latin typeface="Times New Roman" panose="02020603050405020304" pitchFamily="18" charset="0"/>
+                <a:latin typeface="Segoe UI Black" panose="020B0A02040204020203" pitchFamily="34" charset="0"/>
                 <a:cs typeface="Times New Roman" panose="02020603050405020304" pitchFamily="18" charset="0"/>
               </a:rPr>
               <a:t>6. Remove package</a:t>
@@ -7446,7 +7314,7 @@
         <p:spPr>
           <a:xfrm>
             <a:off x="1971675" y="571487"/>
-            <a:ext cx="3634328" cy="590931"/>
+            <a:ext cx="4076757" cy="590931"/>
           </a:xfrm>
           <a:prstGeom prst="rect">
             <a:avLst/>
@@ -7471,7 +7339,7 @@
                     </a:srgbClr>
                   </a:outerShdw>
                 </a:effectLst>
-                <a:latin typeface="Times New Roman" panose="02020603050405020304" pitchFamily="18" charset="0"/>
+                <a:latin typeface="Segoe UI Black" panose="020B0A02040204020203" pitchFamily="34" charset="0"/>
                 <a:cs typeface="Times New Roman" panose="02020603050405020304" pitchFamily="18" charset="0"/>
               </a:rPr>
               <a:t>7. Check package</a:t>
@@ -7665,8 +7533,8 @@
             </a:lvl9pPr>
           </a:lstStyle>
           <a:p>
-            <a:endParaRPr lang="en-US" sz="2400" dirty="0" smtClean="0">
-              <a:latin typeface="Times New Roman" panose="02020603050405020304" pitchFamily="18" charset="0"/>
+            <a:endParaRPr lang="en-US" sz="2400" dirty="0">
+              <a:latin typeface="Segoe UI Black" panose="020B0A02040204020203" pitchFamily="34" charset="0"/>
               <a:cs typeface="Times New Roman" panose="02020603050405020304" pitchFamily="18" charset="0"/>
             </a:endParaRPr>
           </a:p>
@@ -7677,35 +7545,18 @@
             </a:pPr>
             <a:r>
               <a:rPr lang="en-US" sz="2400" dirty="0">
-                <a:latin typeface="Times New Roman" panose="02020603050405020304" pitchFamily="18" charset="0"/>
+                <a:latin typeface="Segoe UI Black" panose="020B0A02040204020203" pitchFamily="34" charset="0"/>
                 <a:cs typeface="Times New Roman" panose="02020603050405020304" pitchFamily="18" charset="0"/>
               </a:rPr>
-              <a:t>n</a:t>
-            </a:r>
-            <a:r>
-              <a:rPr lang="en-US" sz="2400" dirty="0" smtClean="0">
-                <a:latin typeface="Times New Roman" panose="02020603050405020304" pitchFamily="18" charset="0"/>
-                <a:cs typeface="Times New Roman" panose="02020603050405020304" pitchFamily="18" charset="0"/>
-              </a:rPr>
-              <a:t>pm ls </a:t>
-            </a:r>
-            <a:r>
-              <a:rPr lang="en-US" sz="2400" i="1" dirty="0" smtClean="0">
-                <a:latin typeface="Times New Roman" panose="02020603050405020304" pitchFamily="18" charset="0"/>
+              <a:t>npm ls </a:t>
+            </a:r>
+            <a:r>
+              <a:rPr lang="en-US" sz="2400" i="1" dirty="0">
+                <a:latin typeface="Segoe UI Black" panose="020B0A02040204020203" pitchFamily="34" charset="0"/>
                 <a:cs typeface="Times New Roman" panose="02020603050405020304" pitchFamily="18" charset="0"/>
               </a:rPr>
               <a:t>//kiểm tra gói ở local</a:t>
             </a:r>
-          </a:p>
-          <a:p>
-            <a:pPr marL="342900" indent="-342900">
-              <a:buFont typeface="Wingdings" panose="05000000000000000000" pitchFamily="2" charset="2"/>
-              <a:buChar char="Ø"/>
-            </a:pPr>
-            <a:endParaRPr lang="en-US" sz="2400" dirty="0" smtClean="0">
-              <a:latin typeface="Times New Roman" panose="02020603050405020304" pitchFamily="18" charset="0"/>
-              <a:cs typeface="Times New Roman" panose="02020603050405020304" pitchFamily="18" charset="0"/>
-            </a:endParaRPr>
           </a:p>
           <a:p>
             <a:pPr marL="342900" indent="-342900">
@@ -7713,7 +7564,7 @@
               <a:buChar char="Ø"/>
             </a:pPr>
             <a:endParaRPr lang="en-US" sz="2400" dirty="0">
-              <a:latin typeface="Times New Roman" panose="02020603050405020304" pitchFamily="18" charset="0"/>
+              <a:latin typeface="Segoe UI Black" panose="020B0A02040204020203" pitchFamily="34" charset="0"/>
               <a:cs typeface="Times New Roman" panose="02020603050405020304" pitchFamily="18" charset="0"/>
             </a:endParaRPr>
           </a:p>
@@ -7722,14 +7573,8 @@
               <a:buFont typeface="Wingdings" panose="05000000000000000000" pitchFamily="2" charset="2"/>
               <a:buChar char="Ø"/>
             </a:pPr>
-            <a:endParaRPr lang="en-US" sz="2400" dirty="0" smtClean="0">
-              <a:latin typeface="Times New Roman" panose="02020603050405020304" pitchFamily="18" charset="0"/>
-              <a:cs typeface="Times New Roman" panose="02020603050405020304" pitchFamily="18" charset="0"/>
-            </a:endParaRPr>
-          </a:p>
-          <a:p>
             <a:endParaRPr lang="en-US" sz="2400" dirty="0">
-              <a:latin typeface="Times New Roman" panose="02020603050405020304" pitchFamily="18" charset="0"/>
+              <a:latin typeface="Segoe UI Black" panose="020B0A02040204020203" pitchFamily="34" charset="0"/>
               <a:cs typeface="Times New Roman" panose="02020603050405020304" pitchFamily="18" charset="0"/>
             </a:endParaRPr>
           </a:p>
@@ -7738,16 +7583,32 @@
               <a:buFont typeface="Wingdings" panose="05000000000000000000" pitchFamily="2" charset="2"/>
               <a:buChar char="Ø"/>
             </a:pPr>
-            <a:r>
-              <a:rPr lang="en-US" sz="2400" dirty="0" smtClean="0">
-                <a:latin typeface="Times New Roman" panose="02020603050405020304" pitchFamily="18" charset="0"/>
+            <a:endParaRPr lang="en-US" sz="2400" dirty="0">
+              <a:latin typeface="Segoe UI Black" panose="020B0A02040204020203" pitchFamily="34" charset="0"/>
+              <a:cs typeface="Times New Roman" panose="02020603050405020304" pitchFamily="18" charset="0"/>
+            </a:endParaRPr>
+          </a:p>
+          <a:p>
+            <a:endParaRPr lang="en-US" sz="2400" dirty="0">
+              <a:latin typeface="Segoe UI Black" panose="020B0A02040204020203" pitchFamily="34" charset="0"/>
+              <a:cs typeface="Times New Roman" panose="02020603050405020304" pitchFamily="18" charset="0"/>
+            </a:endParaRPr>
+          </a:p>
+          <a:p>
+            <a:pPr marL="342900" indent="-342900">
+              <a:buFont typeface="Wingdings" panose="05000000000000000000" pitchFamily="2" charset="2"/>
+              <a:buChar char="Ø"/>
+            </a:pPr>
+            <a:r>
+              <a:rPr lang="en-US" sz="2400" dirty="0">
+                <a:latin typeface="Segoe UI Black" panose="020B0A02040204020203" pitchFamily="34" charset="0"/>
                 <a:cs typeface="Times New Roman" panose="02020603050405020304" pitchFamily="18" charset="0"/>
               </a:rPr>
               <a:t>npm ls –g </a:t>
             </a:r>
             <a:r>
-              <a:rPr lang="en-US" sz="2400" i="1" dirty="0" smtClean="0">
-                <a:latin typeface="Times New Roman" panose="02020603050405020304" pitchFamily="18" charset="0"/>
+              <a:rPr lang="en-US" sz="2400" i="1" dirty="0">
+                <a:latin typeface="Segoe UI Black" panose="020B0A02040204020203" pitchFamily="34" charset="0"/>
                 <a:cs typeface="Times New Roman" panose="02020603050405020304" pitchFamily="18" charset="0"/>
               </a:rPr>
               <a:t>//kiểm tra gói ở gobal</a:t>
@@ -8077,7 +7938,7 @@
           <a:lstStyle/>
           <a:p>
             <a:endParaRPr lang="en-US" dirty="0">
-              <a:latin typeface="Times New Roman" panose="02020603050405020304" pitchFamily="18" charset="0"/>
+              <a:latin typeface="Segoe UI Black" panose="020B0A02040204020203" pitchFamily="34" charset="0"/>
               <a:cs typeface="Times New Roman" panose="02020603050405020304" pitchFamily="18" charset="0"/>
             </a:endParaRPr>
           </a:p>
@@ -8099,7 +7960,7 @@
           <a:lstStyle/>
           <a:p>
             <a:r>
-              <a:rPr lang="en-US" smtClean="0"/>
+              <a:rPr lang="en-US"/>
               <a:t>www.indruino.com</a:t>
             </a:r>
             <a:endParaRPr lang="en-US" dirty="0"/>
@@ -8115,7 +7976,7 @@
         <p:spPr>
           <a:xfrm>
             <a:off x="3960898" y="3046484"/>
-            <a:ext cx="3609474" cy="707886"/>
+            <a:ext cx="3609474" cy="1015663"/>
           </a:xfrm>
           <a:prstGeom prst="rect">
             <a:avLst/>
@@ -8141,11 +8002,11 @@
           <a:lstStyle/>
           <a:p>
             <a:r>
-              <a:rPr lang="en-US" sz="2000" dirty="0" smtClean="0">
+              <a:rPr lang="en-US" sz="2000" dirty="0">
                 <a:solidFill>
                   <a:schemeClr val="bg1"/>
                 </a:solidFill>
-                <a:latin typeface="Times New Roman" panose="02020603050405020304" pitchFamily="18" charset="0"/>
+                <a:latin typeface="Segoe UI Black" panose="020B0A02040204020203" pitchFamily="34" charset="0"/>
                 <a:cs typeface="Times New Roman" panose="02020603050405020304" pitchFamily="18" charset="0"/>
               </a:rPr>
               <a:t>Diễn giả: Nguyễn Hoàng Phúc</a:t>
@@ -8153,22 +8014,15 @@
           </a:p>
           <a:p>
             <a:r>
-              <a:rPr lang="en-US" sz="2000" dirty="0" smtClean="0">
+              <a:rPr lang="en-US" sz="2000" dirty="0">
                 <a:solidFill>
                   <a:schemeClr val="bg1"/>
                 </a:solidFill>
-                <a:latin typeface="Times New Roman" panose="02020603050405020304" pitchFamily="18" charset="0"/>
+                <a:latin typeface="Segoe UI Black" panose="020B0A02040204020203" pitchFamily="34" charset="0"/>
                 <a:cs typeface="Times New Roman" panose="02020603050405020304" pitchFamily="18" charset="0"/>
               </a:rPr>
               <a:t>Bộ phận: IoT Indruino</a:t>
             </a:r>
-            <a:endParaRPr lang="en-US" sz="2000" dirty="0">
-              <a:solidFill>
-                <a:schemeClr val="bg1"/>
-              </a:solidFill>
-              <a:latin typeface="Times New Roman" panose="02020603050405020304" pitchFamily="18" charset="0"/>
-              <a:cs typeface="Times New Roman" panose="02020603050405020304" pitchFamily="18" charset="0"/>
-            </a:endParaRPr>
           </a:p>
         </p:txBody>
       </p:sp>
@@ -8182,13 +8036,6 @@
   <p:clrMapOvr>
     <a:masterClrMapping/>
   </p:clrMapOvr>
-  <p:timing>
-    <p:tnLst>
-      <p:par>
-        <p:cTn id="1" dur="indefinite" restart="never" nodeType="tmRoot"/>
-      </p:par>
-    </p:tnLst>
-  </p:timing>
 </p:sld>
 </file>
 
@@ -8225,7 +8072,7 @@
           <a:lstStyle/>
           <a:p>
             <a:r>
-              <a:rPr lang="en-US" smtClean="0"/>
+              <a:rPr lang="en-US"/>
               <a:t>www.indruino.com</a:t>
             </a:r>
             <a:endParaRPr lang="en-US" dirty="0"/>
@@ -8274,68 +8121,88 @@
           <a:lstStyle/>
           <a:p>
             <a:r>
-              <a:rPr lang="en-US" sz="4800" b="1" dirty="0">
-                <a:ln w="12700">
-                  <a:solidFill>
-                    <a:srgbClr val="C00000"/>
-                  </a:solidFill>
-                  <a:prstDash val="solid"/>
-                </a:ln>
+              <a:rPr lang="en-US" sz="4800" dirty="0">
+                <a:ln w="0"/>
                 <a:solidFill>
-                  <a:srgbClr val="FFC000"/>
+                  <a:schemeClr val="tx1"/>
                 </a:solidFill>
-                <a:latin typeface="Times New Roman" panose="02020603050405020304" pitchFamily="18" charset="0"/>
+                <a:effectLst>
+                  <a:outerShdw blurRad="38100" dist="19050" dir="2700000" algn="tl" rotWithShape="0">
+                    <a:schemeClr val="dk1">
+                      <a:alpha val="40000"/>
+                    </a:schemeClr>
+                  </a:outerShdw>
+                </a:effectLst>
+                <a:latin typeface="Segoe UI Black" panose="020B0A02040204020203" pitchFamily="34" charset="0"/>
                 <a:cs typeface="Times New Roman" panose="02020603050405020304" pitchFamily="18" charset="0"/>
               </a:rPr>
               <a:t>OVERVIEW</a:t>
             </a:r>
             <a:br>
-              <a:rPr lang="en-US" sz="4800" b="1" dirty="0">
-                <a:ln w="12700">
-                  <a:solidFill>
-                    <a:srgbClr val="C00000"/>
-                  </a:solidFill>
-                  <a:prstDash val="solid"/>
-                </a:ln>
+              <a:rPr lang="en-US" sz="4800" dirty="0">
+                <a:ln w="0"/>
                 <a:solidFill>
-                  <a:srgbClr val="FFC000"/>
+                  <a:schemeClr val="tx1"/>
                 </a:solidFill>
-                <a:latin typeface="Times New Roman" panose="02020603050405020304" pitchFamily="18" charset="0"/>
+                <a:effectLst>
+                  <a:outerShdw blurRad="38100" dist="19050" dir="2700000" algn="tl" rotWithShape="0">
+                    <a:schemeClr val="dk1">
+                      <a:alpha val="40000"/>
+                    </a:schemeClr>
+                  </a:outerShdw>
+                </a:effectLst>
+                <a:latin typeface="Segoe UI Black" panose="020B0A02040204020203" pitchFamily="34" charset="0"/>
                 <a:cs typeface="Times New Roman" panose="02020603050405020304" pitchFamily="18" charset="0"/>
               </a:rPr>
             </a:br>
             <a:r>
-              <a:rPr lang="en-US" sz="4800" b="1" dirty="0">
-                <a:ln w="12700">
-                  <a:solidFill>
-                    <a:srgbClr val="C00000"/>
-                  </a:solidFill>
-                  <a:prstDash val="solid"/>
-                </a:ln>
+              <a:rPr lang="en-US" sz="4800" dirty="0">
+                <a:ln w="0"/>
                 <a:solidFill>
-                  <a:srgbClr val="FFC000"/>
+                  <a:schemeClr val="tx1"/>
                 </a:solidFill>
-                <a:latin typeface="Times New Roman" panose="02020603050405020304" pitchFamily="18" charset="0"/>
+                <a:effectLst>
+                  <a:outerShdw blurRad="38100" dist="19050" dir="2700000" algn="tl" rotWithShape="0">
+                    <a:schemeClr val="dk1">
+                      <a:alpha val="40000"/>
+                    </a:schemeClr>
+                  </a:outerShdw>
+                </a:effectLst>
+                <a:latin typeface="Segoe UI Black" panose="020B0A02040204020203" pitchFamily="34" charset="0"/>
                 <a:cs typeface="Times New Roman" panose="02020603050405020304" pitchFamily="18" charset="0"/>
               </a:rPr>
               <a:t>YARN &amp; NPM</a:t>
             </a:r>
             <a:br>
-              <a:rPr lang="en-US" sz="4800" b="1" dirty="0">
-                <a:ln w="12700">
-                  <a:solidFill>
-                    <a:srgbClr val="C00000"/>
-                  </a:solidFill>
-                  <a:prstDash val="solid"/>
-                </a:ln>
+              <a:rPr lang="en-US" sz="4800" dirty="0">
+                <a:ln w="0"/>
                 <a:solidFill>
-                  <a:srgbClr val="FFC000"/>
+                  <a:schemeClr val="tx1"/>
                 </a:solidFill>
-                <a:latin typeface="Times New Roman" panose="02020603050405020304" pitchFamily="18" charset="0"/>
+                <a:effectLst>
+                  <a:outerShdw blurRad="38100" dist="19050" dir="2700000" algn="tl" rotWithShape="0">
+                    <a:schemeClr val="dk1">
+                      <a:alpha val="40000"/>
+                    </a:schemeClr>
+                  </a:outerShdw>
+                </a:effectLst>
+                <a:latin typeface="Segoe UI Black" panose="020B0A02040204020203" pitchFamily="34" charset="0"/>
                 <a:cs typeface="Times New Roman" panose="02020603050405020304" pitchFamily="18" charset="0"/>
               </a:rPr>
             </a:br>
-            <a:endParaRPr lang="en-US" sz="4800" dirty="0"/>
+            <a:endParaRPr lang="en-US" sz="4800" dirty="0">
+              <a:ln w="0"/>
+              <a:solidFill>
+                <a:schemeClr val="tx1"/>
+              </a:solidFill>
+              <a:effectLst>
+                <a:outerShdw blurRad="38100" dist="19050" dir="2700000" algn="tl" rotWithShape="0">
+                  <a:schemeClr val="dk1">
+                    <a:alpha val="40000"/>
+                  </a:schemeClr>
+                </a:outerShdw>
+              </a:effectLst>
+            </a:endParaRPr>
           </a:p>
         </p:txBody>
       </p:sp>
@@ -8389,7 +8256,7 @@
         <p:spPr>
           <a:xfrm>
             <a:off x="3816520" y="4249642"/>
-            <a:ext cx="3609474" cy="707886"/>
+            <a:ext cx="3609474" cy="1015663"/>
           </a:xfrm>
           <a:prstGeom prst="rect">
             <a:avLst/>
@@ -8415,11 +8282,11 @@
           <a:lstStyle/>
           <a:p>
             <a:r>
-              <a:rPr lang="en-US" sz="2000" dirty="0" smtClean="0">
+              <a:rPr lang="en-US" sz="2000" dirty="0">
                 <a:solidFill>
                   <a:schemeClr val="bg1"/>
                 </a:solidFill>
-                <a:latin typeface="Times New Roman" panose="02020603050405020304" pitchFamily="18" charset="0"/>
+                <a:latin typeface="Segoe UI Black" panose="020B0A02040204020203" pitchFamily="34" charset="0"/>
                 <a:cs typeface="Times New Roman" panose="02020603050405020304" pitchFamily="18" charset="0"/>
               </a:rPr>
               <a:t>Diễn giả: Nguyễn Hoàng Phúc</a:t>
@@ -8427,22 +8294,15 @@
           </a:p>
           <a:p>
             <a:r>
-              <a:rPr lang="en-US" sz="2000" dirty="0" smtClean="0">
+              <a:rPr lang="en-US" sz="2000" dirty="0">
                 <a:solidFill>
                   <a:schemeClr val="bg1"/>
                 </a:solidFill>
-                <a:latin typeface="Times New Roman" panose="02020603050405020304" pitchFamily="18" charset="0"/>
+                <a:latin typeface="Segoe UI Black" panose="020B0A02040204020203" pitchFamily="34" charset="0"/>
                 <a:cs typeface="Times New Roman" panose="02020603050405020304" pitchFamily="18" charset="0"/>
               </a:rPr>
               <a:t>Bộ phận: IoT Indruino</a:t>
             </a:r>
-            <a:endParaRPr lang="en-US" sz="2000" dirty="0">
-              <a:solidFill>
-                <a:schemeClr val="bg1"/>
-              </a:solidFill>
-              <a:latin typeface="Times New Roman" panose="02020603050405020304" pitchFamily="18" charset="0"/>
-              <a:cs typeface="Times New Roman" panose="02020603050405020304" pitchFamily="18" charset="0"/>
-            </a:endParaRPr>
           </a:p>
         </p:txBody>
       </p:sp>
@@ -8456,13 +8316,6 @@
   <p:clrMapOvr>
     <a:masterClrMapping/>
   </p:clrMapOvr>
-  <p:timing>
-    <p:tnLst>
-      <p:par>
-        <p:cTn id="1" dur="indefinite" restart="never" nodeType="tmRoot"/>
-      </p:par>
-    </p:tnLst>
-  </p:timing>
 </p:sld>
 </file>
 
@@ -8640,7 +8493,7 @@
           <a:lstStyle/>
           <a:p>
             <a:r>
-              <a:rPr lang="en-US" b="1" dirty="0" smtClean="0">
+              <a:rPr lang="en-US" b="1" dirty="0">
                 <a:solidFill>
                   <a:srgbClr val="FF0000"/>
                 </a:solidFill>
@@ -8651,25 +8504,11 @@
                     </a:srgbClr>
                   </a:outerShdw>
                 </a:effectLst>
-                <a:latin typeface="Times New Roman" panose="02020603050405020304" pitchFamily="18" charset="0"/>
+                <a:latin typeface="Segoe UI Black" panose="020B0A02040204020203" pitchFamily="34" charset="0"/>
                 <a:cs typeface="Times New Roman" panose="02020603050405020304" pitchFamily="18" charset="0"/>
               </a:rPr>
               <a:t>1. YARN LÀ GÌ</a:t>
             </a:r>
-            <a:endParaRPr lang="en-US" b="1" dirty="0">
-              <a:solidFill>
-                <a:srgbClr val="FF0000"/>
-              </a:solidFill>
-              <a:effectLst>
-                <a:outerShdw blurRad="38100" dist="38100" dir="2700000" algn="tl">
-                  <a:srgbClr val="000000">
-                    <a:alpha val="43137"/>
-                  </a:srgbClr>
-                </a:outerShdw>
-              </a:effectLst>
-              <a:latin typeface="Times New Roman" panose="02020603050405020304" pitchFamily="18" charset="0"/>
-              <a:cs typeface="Times New Roman" panose="02020603050405020304" pitchFamily="18" charset="0"/>
-            </a:endParaRPr>
           </a:p>
         </p:txBody>
       </p:sp>
@@ -8723,7 +8562,7 @@
         <p:spPr>
           <a:xfrm>
             <a:off x="6341660" y="1724297"/>
-            <a:ext cx="5623917" cy="4154984"/>
+            <a:ext cx="5623917" cy="4524315"/>
           </a:xfrm>
           <a:prstGeom prst="rect">
             <a:avLst/>
@@ -8742,19 +8581,15 @@
             </a:pPr>
             <a:r>
               <a:rPr lang="en-US" sz="2400" dirty="0">
-                <a:latin typeface="Times New Roman" panose="02020603050405020304" pitchFamily="18" charset="0"/>
+                <a:latin typeface="Segoe UI Black" panose="020B0A02040204020203" pitchFamily="34" charset="0"/>
                 <a:cs typeface="Times New Roman" panose="02020603050405020304" pitchFamily="18" charset="0"/>
               </a:rPr>
               <a:t>Yarn là một chương trình quản lý các thư viện phụ thuộc JavaScript được sử dụng trong ứng dụng. </a:t>
             </a:r>
-            <a:endParaRPr lang="en-US" sz="2400" dirty="0" smtClean="0">
-              <a:latin typeface="Times New Roman" panose="02020603050405020304" pitchFamily="18" charset="0"/>
-              <a:cs typeface="Times New Roman" panose="02020603050405020304" pitchFamily="18" charset="0"/>
-            </a:endParaRPr>
-          </a:p>
-          <a:p>
-            <a:endParaRPr lang="en-US" sz="2400" dirty="0" smtClean="0">
-              <a:latin typeface="Times New Roman" panose="02020603050405020304" pitchFamily="18" charset="0"/>
+          </a:p>
+          <a:p>
+            <a:endParaRPr lang="en-US" sz="2400" dirty="0">
+              <a:latin typeface="Segoe UI Black" panose="020B0A02040204020203" pitchFamily="34" charset="0"/>
               <a:cs typeface="Times New Roman" panose="02020603050405020304" pitchFamily="18" charset="0"/>
             </a:endParaRPr>
           </a:p>
@@ -8764,23 +8599,16 @@
               <a:buChar char="Ø"/>
             </a:pPr>
             <a:r>
-              <a:rPr lang="en-US" sz="2400" dirty="0" smtClean="0">
-                <a:latin typeface="Times New Roman" panose="02020603050405020304" pitchFamily="18" charset="0"/>
+              <a:rPr lang="en-US" sz="2400" dirty="0">
+                <a:latin typeface="Segoe UI Black" panose="020B0A02040204020203" pitchFamily="34" charset="0"/>
                 <a:cs typeface="Times New Roman" panose="02020603050405020304" pitchFamily="18" charset="0"/>
               </a:rPr>
-              <a:t>Yarn </a:t>
-            </a:r>
-            <a:r>
-              <a:rPr lang="en-US" sz="2400" dirty="0">
-                <a:latin typeface="Times New Roman" panose="02020603050405020304" pitchFamily="18" charset="0"/>
-                <a:cs typeface="Times New Roman" panose="02020603050405020304" pitchFamily="18" charset="0"/>
-              </a:rPr>
-              <a:t>cho phép việc khai báo các thư viện nào sẽ được dùng trong ứng dụng cũng như việc quản lý các thư viện này, về các thông tin như phiên bản sử dụng, thêm hoặc xoá bỏ thư viện... được tiến hành một cách dễ dàng.</a:t>
+              <a:t>Yarn cho phép việc khai báo các thư viện nào sẽ được dùng trong ứng dụng cũng như việc quản lý các thư viện này, về các thông tin như phiên bản sử dụng, thêm hoặc xoá bỏ thư viện... được tiến hành một cách dễ dàng.</a:t>
             </a:r>
           </a:p>
           <a:p>
             <a:endParaRPr lang="en-US" sz="2400" dirty="0">
-              <a:latin typeface="Times New Roman" panose="02020603050405020304" pitchFamily="18" charset="0"/>
+              <a:latin typeface="Segoe UI Black" panose="020B0A02040204020203" pitchFamily="34" charset="0"/>
               <a:cs typeface="Times New Roman" panose="02020603050405020304" pitchFamily="18" charset="0"/>
             </a:endParaRPr>
           </a:p>
@@ -8930,7 +8758,7 @@
             </a:pPr>
             <a:r>
               <a:rPr lang="en-US" sz="2400" dirty="0">
-                <a:latin typeface="Times New Roman" panose="02020603050405020304" pitchFamily="18" charset="0"/>
+                <a:latin typeface="Segoe UI Black" panose="020B0A02040204020203" pitchFamily="34" charset="0"/>
                 <a:cs typeface="Times New Roman" panose="02020603050405020304" pitchFamily="18" charset="0"/>
               </a:rPr>
               <a:t>Khởi động cmd (Command Prompt)</a:t>
@@ -8938,7 +8766,7 @@
           </a:p>
           <a:p>
             <a:endParaRPr lang="en-US" sz="2400" dirty="0">
-              <a:latin typeface="Times New Roman" panose="02020603050405020304" pitchFamily="18" charset="0"/>
+              <a:latin typeface="Segoe UI Black" panose="020B0A02040204020203" pitchFamily="34" charset="0"/>
               <a:cs typeface="Times New Roman" panose="02020603050405020304" pitchFamily="18" charset="0"/>
             </a:endParaRPr>
           </a:p>
@@ -8949,7 +8777,7 @@
             </a:pPr>
             <a:r>
               <a:rPr lang="en-US" sz="2400" dirty="0">
-                <a:latin typeface="Times New Roman" panose="02020603050405020304" pitchFamily="18" charset="0"/>
+                <a:latin typeface="Segoe UI Black" panose="020B0A02040204020203" pitchFamily="34" charset="0"/>
                 <a:cs typeface="Times New Roman" panose="02020603050405020304" pitchFamily="18" charset="0"/>
               </a:rPr>
               <a:t>Nhập lệnh “yarn init”</a:t>
@@ -8957,7 +8785,7 @@
           </a:p>
           <a:p>
             <a:endParaRPr lang="en-US" sz="2400" dirty="0">
-              <a:latin typeface="Times New Roman" panose="02020603050405020304" pitchFamily="18" charset="0"/>
+              <a:latin typeface="Segoe UI Black" panose="020B0A02040204020203" pitchFamily="34" charset="0"/>
               <a:cs typeface="Times New Roman" panose="02020603050405020304" pitchFamily="18" charset="0"/>
             </a:endParaRPr>
           </a:p>
@@ -8968,7 +8796,7 @@
             </a:pPr>
             <a:r>
               <a:rPr lang="en-US" sz="2400" dirty="0">
-                <a:latin typeface="Times New Roman" panose="02020603050405020304" pitchFamily="18" charset="0"/>
+                <a:latin typeface="Segoe UI Black" panose="020B0A02040204020203" pitchFamily="34" charset="0"/>
                 <a:cs typeface="Times New Roman" panose="02020603050405020304" pitchFamily="18" charset="0"/>
               </a:rPr>
               <a:t>Nhập các thông tin muốn thay đổi hoặc Enter để khởi tạo mặc định</a:t>
@@ -8990,6 +8818,10 @@
           </p:nvPr>
         </p:nvSpPr>
         <p:spPr>
+          <a:xfrm>
+            <a:off x="1971675" y="571487"/>
+            <a:ext cx="4536819" cy="590931"/>
+          </a:xfrm>
           <a:prstGeom prst="rect">
             <a:avLst/>
           </a:prstGeom>
@@ -9013,42 +8845,11 @@
                     </a:srgbClr>
                   </a:outerShdw>
                 </a:effectLst>
-                <a:latin typeface="Times New Roman" panose="02020603050405020304" pitchFamily="18" charset="0"/>
+                <a:latin typeface="Segoe UI Black" panose="020B0A02040204020203" pitchFamily="34" charset="0"/>
                 <a:cs typeface="Times New Roman" panose="02020603050405020304" pitchFamily="18" charset="0"/>
               </a:rPr>
-              <a:t>2</a:t>
-            </a:r>
-            <a:r>
-              <a:rPr lang="en-US" sz="3600" b="1" dirty="0" smtClean="0">
-                <a:solidFill>
-                  <a:srgbClr val="FF0000"/>
-                </a:solidFill>
-                <a:effectLst>
-                  <a:outerShdw blurRad="38100" dist="38100" dir="2700000" algn="tl">
-                    <a:srgbClr val="000000">
-                      <a:alpha val="43137"/>
-                    </a:srgbClr>
-                  </a:outerShdw>
-                </a:effectLst>
-                <a:latin typeface="Times New Roman" panose="02020603050405020304" pitchFamily="18" charset="0"/>
-                <a:cs typeface="Times New Roman" panose="02020603050405020304" pitchFamily="18" charset="0"/>
-              </a:rPr>
-              <a:t>. KHỞI TẠO YARN</a:t>
-            </a:r>
-            <a:endParaRPr lang="en-US" sz="3600" b="1" dirty="0">
-              <a:solidFill>
-                <a:srgbClr val="FF0000"/>
-              </a:solidFill>
-              <a:effectLst>
-                <a:outerShdw blurRad="38100" dist="38100" dir="2700000" algn="tl">
-                  <a:srgbClr val="000000">
-                    <a:alpha val="43137"/>
-                  </a:srgbClr>
-                </a:outerShdw>
-              </a:effectLst>
-              <a:latin typeface="Times New Roman" panose="02020603050405020304" pitchFamily="18" charset="0"/>
-              <a:cs typeface="Times New Roman" panose="02020603050405020304" pitchFamily="18" charset="0"/>
-            </a:endParaRPr>
+              <a:t>2. KHỞI TẠO YARN</a:t>
+            </a:r>
           </a:p>
         </p:txBody>
       </p:sp>
@@ -9480,13 +9281,13 @@
         </p:spPr>
         <p:txBody>
           <a:bodyPr>
-            <a:normAutofit lnSpcReduction="10000"/>
+            <a:normAutofit fontScale="92500" lnSpcReduction="10000"/>
           </a:bodyPr>
           <a:lstStyle/>
           <a:p>
             <a:r>
               <a:rPr lang="en-US" sz="2400" dirty="0">
-                <a:latin typeface="Times New Roman" panose="02020603050405020304" pitchFamily="18" charset="0"/>
+                <a:latin typeface="Segoe UI Black" panose="020B0A02040204020203" pitchFamily="34" charset="0"/>
                 <a:cs typeface="Times New Roman" panose="02020603050405020304" pitchFamily="18" charset="0"/>
               </a:rPr>
               <a:t>Các lệnh sử dụng để thêm package:</a:t>
@@ -9494,7 +9295,7 @@
           </a:p>
           <a:p>
             <a:endParaRPr lang="en-US" sz="2400" dirty="0">
-              <a:latin typeface="Times New Roman" panose="02020603050405020304" pitchFamily="18" charset="0"/>
+              <a:latin typeface="Segoe UI Black" panose="020B0A02040204020203" pitchFamily="34" charset="0"/>
               <a:cs typeface="Times New Roman" panose="02020603050405020304" pitchFamily="18" charset="0"/>
             </a:endParaRPr>
           </a:p>
@@ -9505,7 +9306,7 @@
             </a:pPr>
             <a:r>
               <a:rPr lang="en-US" sz="2400" dirty="0">
-                <a:latin typeface="Times New Roman" panose="02020603050405020304" pitchFamily="18" charset="0"/>
+                <a:latin typeface="Segoe UI Black" panose="020B0A02040204020203" pitchFamily="34" charset="0"/>
                 <a:cs typeface="Times New Roman" panose="02020603050405020304" pitchFamily="18" charset="0"/>
               </a:rPr>
               <a:t>yarn add [package] </a:t>
@@ -9518,7 +9319,7 @@
             </a:pPr>
             <a:r>
               <a:rPr lang="en-US" sz="2400" dirty="0">
-                <a:latin typeface="Times New Roman" panose="02020603050405020304" pitchFamily="18" charset="0"/>
+                <a:latin typeface="Segoe UI Black" panose="020B0A02040204020203" pitchFamily="34" charset="0"/>
                 <a:cs typeface="Times New Roman" panose="02020603050405020304" pitchFamily="18" charset="0"/>
               </a:rPr>
               <a:t>yarn add [package]@[version] </a:t>
@@ -9531,7 +9332,7 @@
             </a:pPr>
             <a:r>
               <a:rPr lang="en-US" sz="2400" dirty="0">
-                <a:latin typeface="Times New Roman" panose="02020603050405020304" pitchFamily="18" charset="0"/>
+                <a:latin typeface="Segoe UI Black" panose="020B0A02040204020203" pitchFamily="34" charset="0"/>
                 <a:cs typeface="Times New Roman" panose="02020603050405020304" pitchFamily="18" charset="0"/>
               </a:rPr>
               <a:t>yarn add [package]@[tag]</a:t>
@@ -9539,14 +9340,14 @@
           </a:p>
           <a:p>
             <a:endParaRPr lang="en-US" sz="2400" dirty="0">
-              <a:latin typeface="Times New Roman" panose="02020603050405020304" pitchFamily="18" charset="0"/>
+              <a:latin typeface="Segoe UI Black" panose="020B0A02040204020203" pitchFamily="34" charset="0"/>
               <a:cs typeface="Times New Roman" panose="02020603050405020304" pitchFamily="18" charset="0"/>
             </a:endParaRPr>
           </a:p>
           <a:p>
             <a:r>
               <a:rPr lang="en-US" sz="2400" i="1" dirty="0">
-                <a:latin typeface="Times New Roman" panose="02020603050405020304" pitchFamily="18" charset="0"/>
+                <a:latin typeface="Segoe UI Black" panose="020B0A02040204020203" pitchFamily="34" charset="0"/>
                 <a:cs typeface="Times New Roman" panose="02020603050405020304" pitchFamily="18" charset="0"/>
               </a:rPr>
               <a:t>Trong đó [package], [version] và [tag] lần lượt là tên package, phiên bản và thẻ của package.</a:t>
@@ -9554,33 +9355,33 @@
           </a:p>
           <a:p>
             <a:endParaRPr lang="en-US" sz="2400" i="1" dirty="0">
-              <a:latin typeface="Times New Roman" panose="02020603050405020304" pitchFamily="18" charset="0"/>
+              <a:latin typeface="Segoe UI Black" panose="020B0A02040204020203" pitchFamily="34" charset="0"/>
               <a:cs typeface="Times New Roman" panose="02020603050405020304" pitchFamily="18" charset="0"/>
             </a:endParaRPr>
           </a:p>
           <a:p>
             <a:r>
               <a:rPr lang="en-US" sz="2400" i="1" dirty="0">
-                <a:latin typeface="Times New Roman" panose="02020603050405020304" pitchFamily="18" charset="0"/>
+                <a:latin typeface="Segoe UI Black" panose="020B0A02040204020203" pitchFamily="34" charset="0"/>
                 <a:cs typeface="Times New Roman" panose="02020603050405020304" pitchFamily="18" charset="0"/>
               </a:rPr>
               <a:t>Ví dụ: </a:t>
             </a:r>
             <a:r>
               <a:rPr lang="en-US" sz="2400" dirty="0">
-                <a:latin typeface="Times New Roman" panose="02020603050405020304" pitchFamily="18" charset="0"/>
+                <a:latin typeface="Segoe UI Black" panose="020B0A02040204020203" pitchFamily="34" charset="0"/>
                 <a:cs typeface="Times New Roman" panose="02020603050405020304" pitchFamily="18" charset="0"/>
               </a:rPr>
               <a:t>yarn add expo-cli</a:t>
             </a:r>
             <a:endParaRPr lang="en-US" sz="2400" i="1" dirty="0">
-              <a:latin typeface="Times New Roman" panose="02020603050405020304" pitchFamily="18" charset="0"/>
+              <a:latin typeface="Segoe UI Black" panose="020B0A02040204020203" pitchFamily="34" charset="0"/>
               <a:cs typeface="Times New Roman" panose="02020603050405020304" pitchFamily="18" charset="0"/>
             </a:endParaRPr>
           </a:p>
           <a:p>
             <a:endParaRPr lang="en-US" sz="3200" dirty="0">
-              <a:latin typeface="Times New Roman" panose="02020603050405020304" pitchFamily="18" charset="0"/>
+              <a:latin typeface="Segoe UI Black" panose="020B0A02040204020203" pitchFamily="34" charset="0"/>
               <a:cs typeface="Times New Roman" panose="02020603050405020304" pitchFamily="18" charset="0"/>
             </a:endParaRPr>
           </a:p>
@@ -9602,7 +9403,7 @@
         <p:spPr>
           <a:xfrm>
             <a:off x="1971675" y="571487"/>
-            <a:ext cx="4778552" cy="590931"/>
+            <a:ext cx="5376793" cy="590931"/>
           </a:xfrm>
           <a:prstGeom prst="rect">
             <a:avLst/>
@@ -9627,42 +9428,11 @@
                     </a:srgbClr>
                   </a:outerShdw>
                 </a:effectLst>
-                <a:latin typeface="Times New Roman" panose="02020603050405020304" pitchFamily="18" charset="0"/>
+                <a:latin typeface="Segoe UI Black" panose="020B0A02040204020203" pitchFamily="34" charset="0"/>
                 <a:cs typeface="Times New Roman" panose="02020603050405020304" pitchFamily="18" charset="0"/>
               </a:rPr>
-              <a:t>3. Thêm 1 Package </a:t>
-            </a:r>
-            <a:r>
-              <a:rPr lang="en-US" sz="3600" b="1" dirty="0" smtClean="0">
-                <a:solidFill>
-                  <a:srgbClr val="FF0000"/>
-                </a:solidFill>
-                <a:effectLst>
-                  <a:outerShdw blurRad="38100" dist="38100" dir="2700000" algn="tl">
-                    <a:srgbClr val="000000">
-                      <a:alpha val="43137"/>
-                    </a:srgbClr>
-                  </a:outerShdw>
-                </a:effectLst>
-                <a:latin typeface="Times New Roman" panose="02020603050405020304" pitchFamily="18" charset="0"/>
-                <a:cs typeface="Times New Roman" panose="02020603050405020304" pitchFamily="18" charset="0"/>
-              </a:rPr>
-              <a:t>mới</a:t>
-            </a:r>
-            <a:endParaRPr lang="en-US" sz="3600" b="1" dirty="0">
-              <a:solidFill>
-                <a:srgbClr val="FF0000"/>
-              </a:solidFill>
-              <a:effectLst>
-                <a:outerShdw blurRad="38100" dist="38100" dir="2700000" algn="tl">
-                  <a:srgbClr val="000000">
-                    <a:alpha val="43137"/>
-                  </a:srgbClr>
-                </a:outerShdw>
-              </a:effectLst>
-              <a:latin typeface="Times New Roman" panose="02020603050405020304" pitchFamily="18" charset="0"/>
-              <a:cs typeface="Times New Roman" panose="02020603050405020304" pitchFamily="18" charset="0"/>
-            </a:endParaRPr>
+              <a:t>3. Thêm 1 Package mới</a:t>
+            </a:r>
           </a:p>
         </p:txBody>
       </p:sp>
@@ -9713,16 +9483,12 @@
           <a:lstStyle/>
           <a:p>
             <a:r>
-              <a:rPr lang="en-US" sz="2000" dirty="0" smtClean="0">
-                <a:latin typeface="Times New Roman" panose="02020603050405020304" pitchFamily="18" charset="0"/>
+              <a:rPr lang="en-US" sz="2000" dirty="0">
+                <a:latin typeface="Segoe UI Black" panose="020B0A02040204020203" pitchFamily="34" charset="0"/>
                 <a:cs typeface="Times New Roman" panose="02020603050405020304" pitchFamily="18" charset="0"/>
               </a:rPr>
               <a:t>File package sau khi thêm</a:t>
             </a:r>
-            <a:endParaRPr lang="en-US" sz="2000" dirty="0">
-              <a:latin typeface="Times New Roman" panose="02020603050405020304" pitchFamily="18" charset="0"/>
-              <a:cs typeface="Times New Roman" panose="02020603050405020304" pitchFamily="18" charset="0"/>
-            </a:endParaRPr>
           </a:p>
         </p:txBody>
       </p:sp>
@@ -10178,7 +9944,7 @@
           <a:p>
             <a:r>
               <a:rPr lang="en-US" sz="2400" dirty="0">
-                <a:latin typeface="Times New Roman" panose="02020603050405020304" pitchFamily="18" charset="0"/>
+                <a:latin typeface="Segoe UI Black" panose="020B0A02040204020203" pitchFamily="34" charset="0"/>
                 <a:cs typeface="Times New Roman" panose="02020603050405020304" pitchFamily="18" charset="0"/>
               </a:rPr>
               <a:t>Các lệnh sử dụng để upgrade package:</a:t>
@@ -10186,7 +9952,7 @@
           </a:p>
           <a:p>
             <a:endParaRPr lang="en-US" sz="2400" dirty="0">
-              <a:latin typeface="Times New Roman" panose="02020603050405020304" pitchFamily="18" charset="0"/>
+              <a:latin typeface="Segoe UI Black" panose="020B0A02040204020203" pitchFamily="34" charset="0"/>
               <a:cs typeface="Times New Roman" panose="02020603050405020304" pitchFamily="18" charset="0"/>
             </a:endParaRPr>
           </a:p>
@@ -10197,7 +9963,7 @@
             </a:pPr>
             <a:r>
               <a:rPr lang="en-US" sz="2400" dirty="0">
-                <a:latin typeface="Times New Roman" panose="02020603050405020304" pitchFamily="18" charset="0"/>
+                <a:latin typeface="Segoe UI Black" panose="020B0A02040204020203" pitchFamily="34" charset="0"/>
                 <a:cs typeface="Times New Roman" panose="02020603050405020304" pitchFamily="18" charset="0"/>
               </a:rPr>
               <a:t>yarn upgrade [package] </a:t>
@@ -10210,7 +9976,7 @@
             </a:pPr>
             <a:r>
               <a:rPr lang="en-US" sz="2400" dirty="0">
-                <a:latin typeface="Times New Roman" panose="02020603050405020304" pitchFamily="18" charset="0"/>
+                <a:latin typeface="Segoe UI Black" panose="020B0A02040204020203" pitchFamily="34" charset="0"/>
                 <a:cs typeface="Times New Roman" panose="02020603050405020304" pitchFamily="18" charset="0"/>
               </a:rPr>
               <a:t>yarn upgrade [package]@[version] </a:t>
@@ -10223,7 +9989,7 @@
             </a:pPr>
             <a:r>
               <a:rPr lang="en-US" sz="2400" dirty="0">
-                <a:latin typeface="Times New Roman" panose="02020603050405020304" pitchFamily="18" charset="0"/>
+                <a:latin typeface="Segoe UI Black" panose="020B0A02040204020203" pitchFamily="34" charset="0"/>
                 <a:cs typeface="Times New Roman" panose="02020603050405020304" pitchFamily="18" charset="0"/>
               </a:rPr>
               <a:t>yarn upgrade [package]@[tag]</a:t>
@@ -10231,14 +9997,14 @@
           </a:p>
           <a:p>
             <a:endParaRPr lang="en-US" sz="2400" dirty="0">
-              <a:latin typeface="Times New Roman" panose="02020603050405020304" pitchFamily="18" charset="0"/>
+              <a:latin typeface="Segoe UI Black" panose="020B0A02040204020203" pitchFamily="34" charset="0"/>
               <a:cs typeface="Times New Roman" panose="02020603050405020304" pitchFamily="18" charset="0"/>
             </a:endParaRPr>
           </a:p>
           <a:p>
             <a:r>
               <a:rPr lang="en-US" sz="2400" i="1" dirty="0">
-                <a:latin typeface="Times New Roman" panose="02020603050405020304" pitchFamily="18" charset="0"/>
+                <a:latin typeface="Segoe UI Black" panose="020B0A02040204020203" pitchFamily="34" charset="0"/>
                 <a:cs typeface="Times New Roman" panose="02020603050405020304" pitchFamily="18" charset="0"/>
               </a:rPr>
               <a:t>Trong đó [package], [version] và [tag] lần lượt là tên package, phiên bản và thẻ của package.</a:t>
@@ -10246,27 +10012,27 @@
           </a:p>
           <a:p>
             <a:endParaRPr lang="en-US" sz="2400" i="1" dirty="0">
-              <a:latin typeface="Times New Roman" panose="02020603050405020304" pitchFamily="18" charset="0"/>
+              <a:latin typeface="Segoe UI Black" panose="020B0A02040204020203" pitchFamily="34" charset="0"/>
               <a:cs typeface="Times New Roman" panose="02020603050405020304" pitchFamily="18" charset="0"/>
             </a:endParaRPr>
           </a:p>
           <a:p>
             <a:r>
               <a:rPr lang="en-US" sz="2400" i="1" dirty="0">
-                <a:latin typeface="Times New Roman" panose="02020603050405020304" pitchFamily="18" charset="0"/>
+                <a:latin typeface="Segoe UI Black" panose="020B0A02040204020203" pitchFamily="34" charset="0"/>
                 <a:cs typeface="Times New Roman" panose="02020603050405020304" pitchFamily="18" charset="0"/>
               </a:rPr>
               <a:t>Ví dụ: </a:t>
             </a:r>
             <a:r>
               <a:rPr lang="en-US" sz="2400" dirty="0">
-                <a:latin typeface="Times New Roman" panose="02020603050405020304" pitchFamily="18" charset="0"/>
+                <a:latin typeface="Segoe UI Black" panose="020B0A02040204020203" pitchFamily="34" charset="0"/>
                 <a:cs typeface="Times New Roman" panose="02020603050405020304" pitchFamily="18" charset="0"/>
               </a:rPr>
               <a:t>yarn upgrade expo-cli</a:t>
             </a:r>
             <a:endParaRPr lang="en-US" sz="2400" i="1" dirty="0">
-              <a:latin typeface="Times New Roman" panose="02020603050405020304" pitchFamily="18" charset="0"/>
+              <a:latin typeface="Segoe UI Black" panose="020B0A02040204020203" pitchFamily="34" charset="0"/>
               <a:cs typeface="Times New Roman" panose="02020603050405020304" pitchFamily="18" charset="0"/>
             </a:endParaRPr>
           </a:p>
@@ -10285,7 +10051,7 @@
         <p:spPr>
           <a:xfrm>
             <a:off x="1971675" y="571487"/>
-            <a:ext cx="4095993" cy="590931"/>
+            <a:ext cx="4700326" cy="590931"/>
           </a:xfrm>
           <a:prstGeom prst="rect">
             <a:avLst/>
@@ -10310,7 +10076,7 @@
                     </a:srgbClr>
                   </a:outerShdw>
                 </a:effectLst>
-                <a:latin typeface="Times New Roman" panose="02020603050405020304" pitchFamily="18" charset="0"/>
+                <a:latin typeface="Segoe UI Black" panose="020B0A02040204020203" pitchFamily="34" charset="0"/>
                 <a:cs typeface="Times New Roman" panose="02020603050405020304" pitchFamily="18" charset="0"/>
               </a:rPr>
               <a:t>4. Upgrade package</a:t>
@@ -10735,7 +10501,7 @@
           <a:p>
             <a:r>
               <a:rPr lang="en-US" sz="2400" dirty="0">
-                <a:latin typeface="Times New Roman" panose="02020603050405020304" pitchFamily="18" charset="0"/>
+                <a:latin typeface="Segoe UI Black" panose="020B0A02040204020203" pitchFamily="34" charset="0"/>
                 <a:cs typeface="Times New Roman" panose="02020603050405020304" pitchFamily="18" charset="0"/>
               </a:rPr>
               <a:t>Lệnh sử dụng để load packages cho project:</a:t>
@@ -10743,7 +10509,7 @@
           </a:p>
           <a:p>
             <a:endParaRPr lang="en-US" sz="2400" dirty="0">
-              <a:latin typeface="Times New Roman" panose="02020603050405020304" pitchFamily="18" charset="0"/>
+              <a:latin typeface="Segoe UI Black" panose="020B0A02040204020203" pitchFamily="34" charset="0"/>
               <a:cs typeface="Times New Roman" panose="02020603050405020304" pitchFamily="18" charset="0"/>
             </a:endParaRPr>
           </a:p>
@@ -10754,7 +10520,7 @@
             </a:pPr>
             <a:r>
               <a:rPr lang="en-US" sz="2400" dirty="0">
-                <a:latin typeface="Times New Roman" panose="02020603050405020304" pitchFamily="18" charset="0"/>
+                <a:latin typeface="Segoe UI Black" panose="020B0A02040204020203" pitchFamily="34" charset="0"/>
                 <a:cs typeface="Times New Roman" panose="02020603050405020304" pitchFamily="18" charset="0"/>
               </a:rPr>
               <a:t>yarn install</a:t>
@@ -10766,7 +10532,7 @@
               <a:buChar char="Ø"/>
             </a:pPr>
             <a:endParaRPr lang="en-US" sz="2400" dirty="0">
-              <a:latin typeface="Times New Roman" panose="02020603050405020304" pitchFamily="18" charset="0"/>
+              <a:latin typeface="Segoe UI Black" panose="020B0A02040204020203" pitchFamily="34" charset="0"/>
               <a:cs typeface="Times New Roman" panose="02020603050405020304" pitchFamily="18" charset="0"/>
             </a:endParaRPr>
           </a:p>
@@ -10777,7 +10543,7 @@
             </a:pPr>
             <a:r>
               <a:rPr lang="en-US" sz="2400" dirty="0">
-                <a:latin typeface="Times New Roman" panose="02020603050405020304" pitchFamily="18" charset="0"/>
+                <a:latin typeface="Segoe UI Black" panose="020B0A02040204020203" pitchFamily="34" charset="0"/>
                 <a:cs typeface="Times New Roman" panose="02020603050405020304" pitchFamily="18" charset="0"/>
               </a:rPr>
               <a:t>yarn</a:t>
@@ -10798,7 +10564,7 @@
         <p:spPr>
           <a:xfrm>
             <a:off x="1971675" y="571487"/>
-            <a:ext cx="6378349" cy="590931"/>
+            <a:ext cx="7316426" cy="590931"/>
           </a:xfrm>
           <a:prstGeom prst="rect">
             <a:avLst/>
@@ -10812,7 +10578,7 @@
           <a:lstStyle/>
           <a:p>
             <a:r>
-              <a:rPr lang="en-US" sz="3600" b="1" dirty="0" smtClean="0">
+              <a:rPr lang="en-US" sz="3600" b="1" dirty="0">
                 <a:solidFill>
                   <a:srgbClr val="FF0000"/>
                 </a:solidFill>
@@ -10823,25 +10589,11 @@
                     </a:srgbClr>
                   </a:outerShdw>
                 </a:effectLst>
-                <a:latin typeface="Times New Roman" panose="02020603050405020304" pitchFamily="18" charset="0"/>
+                <a:latin typeface="Segoe UI Black" panose="020B0A02040204020203" pitchFamily="34" charset="0"/>
                 <a:cs typeface="Times New Roman" panose="02020603050405020304" pitchFamily="18" charset="0"/>
               </a:rPr>
               <a:t>6. Sử dụng Package cho project</a:t>
             </a:r>
-            <a:endParaRPr lang="en-US" sz="3600" b="1" dirty="0">
-              <a:solidFill>
-                <a:srgbClr val="FF0000"/>
-              </a:solidFill>
-              <a:effectLst>
-                <a:outerShdw blurRad="38100" dist="38100" dir="2700000" algn="tl">
-                  <a:srgbClr val="000000">
-                    <a:alpha val="43137"/>
-                  </a:srgbClr>
-                </a:outerShdw>
-              </a:effectLst>
-              <a:latin typeface="Times New Roman" panose="02020603050405020304" pitchFamily="18" charset="0"/>
-              <a:cs typeface="Times New Roman" panose="02020603050405020304" pitchFamily="18" charset="0"/>
-            </a:endParaRPr>
           </a:p>
         </p:txBody>
       </p:sp>
@@ -11263,14 +11015,14 @@
             </a:pPr>
             <a:r>
               <a:rPr lang="en-US" sz="2400" dirty="0">
-                <a:latin typeface="Times New Roman" panose="02020603050405020304" pitchFamily="18" charset="0"/>
+                <a:latin typeface="Segoe UI Black" panose="020B0A02040204020203" pitchFamily="34" charset="0"/>
                 <a:cs typeface="Times New Roman" panose="02020603050405020304" pitchFamily="18" charset="0"/>
               </a:rPr>
               <a:t>yarn list</a:t>
             </a:r>
             <a:r>
               <a:rPr lang="en-US" sz="2400" i="1" dirty="0">
-                <a:latin typeface="Times New Roman" panose="02020603050405020304" pitchFamily="18" charset="0"/>
+                <a:latin typeface="Segoe UI Black" panose="020B0A02040204020203" pitchFamily="34" charset="0"/>
                 <a:cs typeface="Times New Roman" panose="02020603050405020304" pitchFamily="18" charset="0"/>
               </a:rPr>
               <a:t> // các package đã cài đặt</a:t>
@@ -11278,7 +11030,7 @@
           </a:p>
           <a:p>
             <a:endParaRPr lang="en-US" sz="2400" dirty="0">
-              <a:latin typeface="Times New Roman" panose="02020603050405020304" pitchFamily="18" charset="0"/>
+              <a:latin typeface="Segoe UI Black" panose="020B0A02040204020203" pitchFamily="34" charset="0"/>
               <a:cs typeface="Times New Roman" panose="02020603050405020304" pitchFamily="18" charset="0"/>
             </a:endParaRPr>
           </a:p>
@@ -11289,14 +11041,14 @@
             </a:pPr>
             <a:r>
               <a:rPr lang="en-US" sz="2400" dirty="0">
-                <a:latin typeface="Times New Roman" panose="02020603050405020304" pitchFamily="18" charset="0"/>
+                <a:latin typeface="Segoe UI Black" panose="020B0A02040204020203" pitchFamily="34" charset="0"/>
                 <a:cs typeface="Times New Roman" panose="02020603050405020304" pitchFamily="18" charset="0"/>
               </a:rPr>
               <a:t>Yarn check </a:t>
             </a:r>
             <a:r>
               <a:rPr lang="en-US" sz="2400" i="1" dirty="0">
-                <a:latin typeface="Times New Roman" panose="02020603050405020304" pitchFamily="18" charset="0"/>
+                <a:latin typeface="Segoe UI Black" panose="020B0A02040204020203" pitchFamily="34" charset="0"/>
                 <a:cs typeface="Times New Roman" panose="02020603050405020304" pitchFamily="18" charset="0"/>
               </a:rPr>
               <a:t>// check phiên bản và file lock</a:t>
@@ -11317,7 +11069,7 @@
         <p:spPr>
           <a:xfrm>
             <a:off x="1971675" y="571487"/>
-            <a:ext cx="6680034" cy="590931"/>
+            <a:ext cx="7713971" cy="590931"/>
           </a:xfrm>
           <a:prstGeom prst="rect">
             <a:avLst/>
@@ -11342,7 +11094,7 @@
                     </a:srgbClr>
                   </a:outerShdw>
                 </a:effectLst>
-                <a:latin typeface="Times New Roman" panose="02020603050405020304" pitchFamily="18" charset="0"/>
+                <a:latin typeface="Segoe UI Black" panose="020B0A02040204020203" pitchFamily="34" charset="0"/>
                 <a:cs typeface="Times New Roman" panose="02020603050405020304" pitchFamily="18" charset="0"/>
               </a:rPr>
               <a:t>7. Một số lệnh khác thường dùng</a:t>
